--- a/resources/ai4good group discussion points.pptx
+++ b/resources/ai4good group discussion points.pptx
@@ -6,24 +6,23 @@
   </p:sldMasterIdLst>
   <p:sldIdLst>
     <p:sldId id="256" r:id="rId2"/>
-    <p:sldId id="257" r:id="rId3"/>
-    <p:sldId id="260" r:id="rId4"/>
-    <p:sldId id="263" r:id="rId5"/>
-    <p:sldId id="258" r:id="rId6"/>
-    <p:sldId id="262" r:id="rId7"/>
-    <p:sldId id="261" r:id="rId8"/>
-    <p:sldId id="266" r:id="rId9"/>
-    <p:sldId id="268" r:id="rId10"/>
-    <p:sldId id="286" r:id="rId11"/>
-    <p:sldId id="287" r:id="rId12"/>
-    <p:sldId id="275" r:id="rId13"/>
-    <p:sldId id="273" r:id="rId14"/>
-    <p:sldId id="277" r:id="rId15"/>
-    <p:sldId id="279" r:id="rId16"/>
-    <p:sldId id="283" r:id="rId17"/>
-    <p:sldId id="284" r:id="rId18"/>
-    <p:sldId id="288" r:id="rId19"/>
-    <p:sldId id="281" r:id="rId20"/>
+    <p:sldId id="289" r:id="rId3"/>
+    <p:sldId id="257" r:id="rId4"/>
+    <p:sldId id="260" r:id="rId5"/>
+    <p:sldId id="263" r:id="rId6"/>
+    <p:sldId id="258" r:id="rId7"/>
+    <p:sldId id="262" r:id="rId8"/>
+    <p:sldId id="261" r:id="rId9"/>
+    <p:sldId id="266" r:id="rId10"/>
+    <p:sldId id="268" r:id="rId11"/>
+    <p:sldId id="286" r:id="rId12"/>
+    <p:sldId id="287" r:id="rId13"/>
+    <p:sldId id="275" r:id="rId14"/>
+    <p:sldId id="273" r:id="rId15"/>
+    <p:sldId id="277" r:id="rId16"/>
+    <p:sldId id="279" r:id="rId17"/>
+    <p:sldId id="283" r:id="rId18"/>
+    <p:sldId id="281" r:id="rId19"/>
   </p:sldIdLst>
   <p:sldSz cx="12192000" cy="6858000"/>
   <p:notesSz cx="6858000" cy="9144000"/>
@@ -133,7 +132,9 @@
 <file path=ppt/revisionInfo.xml><?xml version="1.0" encoding="utf-8"?>
 <p1510:revInfo xmlns:a="http://schemas.openxmlformats.org/drawingml/2006/main" xmlns:r="http://schemas.openxmlformats.org/officeDocument/2006/relationships" xmlns:p1510="http://schemas.microsoft.com/office/powerpoint/2015/10/main">
   <p1510:revLst>
-    <p1510:client id="{457DAAA5-62A6-1F14-3CDC-A51ED345B5FB}" v="279" dt="2025-01-14T04:12:17.064"/>
+    <p1510:client id="{7FCA6276-5D9D-CEEF-E305-532BB6024198}" v="9" dt="2025-01-28T23:24:31.366"/>
+    <p1510:client id="{8A9DEDA2-3614-BEBB-E2C7-C6EF81ADDB50}" v="232" dt="2025-01-28T19:59:30.154"/>
+    <p1510:client id="{CA0279A8-7B6E-A15F-3C9F-75D029DDB77C}" v="22" dt="2025-01-28T23:47:39.972"/>
   </p1510:revLst>
 </p1510:revInfo>
 </file>
@@ -267,7 +268,7 @@
           <a:p>
             <a:fld id="{846CE7D5-CF57-46EF-B807-FDD0502418D4}" type="datetimeFigureOut">
               <a:rPr lang="en-US" smtClean="0"/>
-              <a:t>1/13/2025</a:t>
+              <a:t>1/28/2025</a:t>
             </a:fld>
             <a:endParaRPr lang="en-US"/>
           </a:p>
@@ -435,7 +436,7 @@
           <a:p>
             <a:fld id="{846CE7D5-CF57-46EF-B807-FDD0502418D4}" type="datetimeFigureOut">
               <a:rPr lang="en-US" smtClean="0"/>
-              <a:t>1/13/2025</a:t>
+              <a:t>1/28/2025</a:t>
             </a:fld>
             <a:endParaRPr lang="en-US"/>
           </a:p>
@@ -613,7 +614,7 @@
           <a:p>
             <a:fld id="{846CE7D5-CF57-46EF-B807-FDD0502418D4}" type="datetimeFigureOut">
               <a:rPr lang="en-US" smtClean="0"/>
-              <a:t>1/13/2025</a:t>
+              <a:t>1/28/2025</a:t>
             </a:fld>
             <a:endParaRPr lang="en-US"/>
           </a:p>
@@ -781,7 +782,7 @@
           <a:p>
             <a:fld id="{846CE7D5-CF57-46EF-B807-FDD0502418D4}" type="datetimeFigureOut">
               <a:rPr lang="en-US" smtClean="0"/>
-              <a:t>1/13/2025</a:t>
+              <a:t>1/28/2025</a:t>
             </a:fld>
             <a:endParaRPr lang="en-US"/>
           </a:p>
@@ -1026,7 +1027,7 @@
           <a:p>
             <a:fld id="{846CE7D5-CF57-46EF-B807-FDD0502418D4}" type="datetimeFigureOut">
               <a:rPr lang="en-US" smtClean="0"/>
-              <a:t>1/13/2025</a:t>
+              <a:t>1/28/2025</a:t>
             </a:fld>
             <a:endParaRPr lang="en-US"/>
           </a:p>
@@ -1255,7 +1256,7 @@
           <a:p>
             <a:fld id="{846CE7D5-CF57-46EF-B807-FDD0502418D4}" type="datetimeFigureOut">
               <a:rPr lang="en-US" smtClean="0"/>
-              <a:t>1/13/2025</a:t>
+              <a:t>1/28/2025</a:t>
             </a:fld>
             <a:endParaRPr lang="en-US"/>
           </a:p>
@@ -1619,7 +1620,7 @@
           <a:p>
             <a:fld id="{846CE7D5-CF57-46EF-B807-FDD0502418D4}" type="datetimeFigureOut">
               <a:rPr lang="en-US" smtClean="0"/>
-              <a:t>1/13/2025</a:t>
+              <a:t>1/28/2025</a:t>
             </a:fld>
             <a:endParaRPr lang="en-US"/>
           </a:p>
@@ -1736,7 +1737,7 @@
           <a:p>
             <a:fld id="{846CE7D5-CF57-46EF-B807-FDD0502418D4}" type="datetimeFigureOut">
               <a:rPr lang="en-US" smtClean="0"/>
-              <a:t>1/13/2025</a:t>
+              <a:t>1/28/2025</a:t>
             </a:fld>
             <a:endParaRPr lang="en-US"/>
           </a:p>
@@ -1831,7 +1832,7 @@
           <a:p>
             <a:fld id="{846CE7D5-CF57-46EF-B807-FDD0502418D4}" type="datetimeFigureOut">
               <a:rPr lang="en-US" smtClean="0"/>
-              <a:t>1/13/2025</a:t>
+              <a:t>1/28/2025</a:t>
             </a:fld>
             <a:endParaRPr lang="en-US"/>
           </a:p>
@@ -2106,7 +2107,7 @@
           <a:p>
             <a:fld id="{846CE7D5-CF57-46EF-B807-FDD0502418D4}" type="datetimeFigureOut">
               <a:rPr lang="en-US" smtClean="0"/>
-              <a:t>1/13/2025</a:t>
+              <a:t>1/28/2025</a:t>
             </a:fld>
             <a:endParaRPr lang="en-US"/>
           </a:p>
@@ -2361,7 +2362,7 @@
           <a:p>
             <a:fld id="{846CE7D5-CF57-46EF-B807-FDD0502418D4}" type="datetimeFigureOut">
               <a:rPr lang="en-US" smtClean="0"/>
-              <a:t>1/13/2025</a:t>
+              <a:t>1/28/2025</a:t>
             </a:fld>
             <a:endParaRPr lang="en-US"/>
           </a:p>
@@ -2572,7 +2573,7 @@
           <a:p>
             <a:fld id="{846CE7D5-CF57-46EF-B807-FDD0502418D4}" type="datetimeFigureOut">
               <a:rPr lang="en-US" smtClean="0"/>
-              <a:t>1/13/2025</a:t>
+              <a:t>1/28/2025</a:t>
             </a:fld>
             <a:endParaRPr lang="en-US"/>
           </a:p>
@@ -3000,14 +3001,14 @@
           <a:lstStyle/>
           <a:p>
             <a:r>
-              <a:rPr lang="en-US" dirty="0"/>
+              <a:rPr lang="en-US"/>
               <a:t>AI for Good Group Discussion Points</a:t>
             </a:r>
             <a:br>
-              <a:rPr lang="en-US" dirty="0"/>
+              <a:rPr lang="en-US"/>
             </a:br>
             <a:r>
-              <a:rPr lang="en-US" dirty="0"/>
+              <a:rPr lang="en-US"/>
               <a:t>grab a friend, a pen and a whiteboard.</a:t>
             </a:r>
           </a:p>
@@ -3048,7 +3049,7 @@
           <p:cNvPr id="5" name="Title 1">
             <a:extLst>
               <a:ext uri="{FF2B5EF4-FFF2-40B4-BE49-F238E27FC236}">
-                <a16:creationId xmlns:a16="http://schemas.microsoft.com/office/drawing/2014/main" id="{42E8D7A0-C371-1D43-F986-10D7D35B8BDC}"/>
+                <a16:creationId xmlns:a16="http://schemas.microsoft.com/office/drawing/2014/main" id="{87327AB0-DF77-AEEB-7A65-5FB2E8E0DF49}"/>
               </a:ext>
             </a:extLst>
           </p:cNvPr>
@@ -3091,22 +3092,16 @@
           </a:lstStyle>
           <a:p>
             <a:r>
-              <a:rPr lang="en-US" dirty="0">
-                <a:ea typeface="+mj-lt"/>
-                <a:cs typeface="+mj-lt"/>
-              </a:rPr>
-              <a:t>What are some key innovations that allow you to train these models in practice?</a:t>
-            </a:r>
-          </a:p>
-          <a:p>
-            <a:endParaRPr lang="en-US" dirty="0"/>
+              <a:rPr lang="en-US"/>
+              <a:t>How do we make it work? (describe a  training cycle on your MLP with backprop +SDG)</a:t>
+            </a:r>
           </a:p>
         </p:txBody>
       </p:sp>
     </p:spTree>
     <p:extLst>
       <p:ext uri="{BB962C8B-B14F-4D97-AF65-F5344CB8AC3E}">
-        <p14:creationId xmlns:p14="http://schemas.microsoft.com/office/powerpoint/2010/main" val="350839561"/>
+        <p14:creationId xmlns:p14="http://schemas.microsoft.com/office/powerpoint/2010/main" val="497557816"/>
       </p:ext>
     </p:extLst>
   </p:cSld>
@@ -3138,7 +3133,7 @@
           <p:cNvPr id="5" name="Title 1">
             <a:extLst>
               <a:ext uri="{FF2B5EF4-FFF2-40B4-BE49-F238E27FC236}">
-                <a16:creationId xmlns:a16="http://schemas.microsoft.com/office/drawing/2014/main" id="{87327AB0-DF77-AEEB-7A65-5FB2E8E0DF49}"/>
+                <a16:creationId xmlns:a16="http://schemas.microsoft.com/office/drawing/2014/main" id="{42E8D7A0-C371-1D43-F986-10D7D35B8BDC}"/>
               </a:ext>
             </a:extLst>
           </p:cNvPr>
@@ -3181,16 +3176,22 @@
           </a:lstStyle>
           <a:p>
             <a:r>
-              <a:rPr lang="en-US" dirty="0"/>
-              <a:t>How do activation functions help approximate f()</a:t>
-            </a:r>
+              <a:rPr lang="en-US">
+                <a:ea typeface="+mj-lt"/>
+                <a:cs typeface="+mj-lt"/>
+              </a:rPr>
+              <a:t>What are some key innovations that allow you to train these models in practice?</a:t>
+            </a:r>
+          </a:p>
+          <a:p>
+            <a:endParaRPr lang="en-US"/>
           </a:p>
         </p:txBody>
       </p:sp>
     </p:spTree>
     <p:extLst>
       <p:ext uri="{BB962C8B-B14F-4D97-AF65-F5344CB8AC3E}">
-        <p14:creationId xmlns:p14="http://schemas.microsoft.com/office/powerpoint/2010/main" val="2664532732"/>
+        <p14:creationId xmlns:p14="http://schemas.microsoft.com/office/powerpoint/2010/main" val="350839561"/>
       </p:ext>
     </p:extLst>
   </p:cSld>
@@ -3219,98 +3220,62 @@
       </p:grpSpPr>
       <p:sp>
         <p:nvSpPr>
-          <p:cNvPr id="2" name="Title 1">
+          <p:cNvPr id="5" name="Title 1">
             <a:extLst>
               <a:ext uri="{FF2B5EF4-FFF2-40B4-BE49-F238E27FC236}">
-                <a16:creationId xmlns:a16="http://schemas.microsoft.com/office/drawing/2014/main" id="{DE9BA8AA-DF4F-4221-C7F1-0B4FF5D4E73A}"/>
+                <a16:creationId xmlns:a16="http://schemas.microsoft.com/office/drawing/2014/main" id="{87327AB0-DF77-AEEB-7A65-5FB2E8E0DF49}"/>
               </a:ext>
             </a:extLst>
           </p:cNvPr>
-          <p:cNvSpPr>
-            <a:spLocks noGrp="1"/>
-          </p:cNvSpPr>
-          <p:nvPr>
-            <p:ph type="title"/>
-          </p:nvPr>
-        </p:nvSpPr>
-        <p:spPr/>
-        <p:txBody>
-          <a:bodyPr/>
-          <a:lstStyle/>
-          <a:p>
-            <a:r>
-              <a:rPr lang="en-US"/>
-              <a:t>Pick a friend + play</a:t>
-            </a:r>
-          </a:p>
-        </p:txBody>
-      </p:sp>
-      <p:sp>
-        <p:nvSpPr>
-          <p:cNvPr id="3" name="Content Placeholder 2">
-            <a:extLst>
-              <a:ext uri="{FF2B5EF4-FFF2-40B4-BE49-F238E27FC236}">
-                <a16:creationId xmlns:a16="http://schemas.microsoft.com/office/drawing/2014/main" id="{4C550C6E-4E74-8485-85C7-5F66D805EB89}"/>
-              </a:ext>
-            </a:extLst>
-          </p:cNvPr>
-          <p:cNvSpPr>
-            <a:spLocks noGrp="1"/>
-          </p:cNvSpPr>
-          <p:nvPr>
-            <p:ph idx="1"/>
-          </p:nvPr>
-        </p:nvSpPr>
-        <p:spPr/>
-        <p:txBody>
-          <a:bodyPr vert="horz" lIns="91440" tIns="45720" rIns="91440" bIns="45720" rtlCol="0" anchor="t">
+          <p:cNvSpPr txBox="1">
+            <a:spLocks/>
+          </p:cNvSpPr>
+          <p:nvPr/>
+        </p:nvSpPr>
+        <p:spPr>
+          <a:xfrm>
+            <a:off x="1923737" y="2508953"/>
+            <a:ext cx="9144000" cy="2387600"/>
+          </a:xfrm>
+          <a:prstGeom prst="rect">
+            <a:avLst/>
+          </a:prstGeom>
+        </p:spPr>
+        <p:txBody>
+          <a:bodyPr vert="horz" lIns="91440" tIns="45720" rIns="91440" bIns="45720" rtlCol="0" anchor="ctr">
             <a:normAutofit/>
           </a:bodyPr>
-          <a:lstStyle/>
-          <a:p>
-            <a:r>
-              <a:rPr lang="en-US" dirty="0"/>
-              <a:t>See if you can define the </a:t>
-            </a:r>
-            <a:r>
-              <a:rPr lang="en-US" dirty="0" err="1"/>
-              <a:t>simplist</a:t>
-            </a:r>
-            <a:r>
-              <a:rPr lang="en-US" dirty="0"/>
-              <a:t> and best network for one of these problems!</a:t>
-            </a:r>
-          </a:p>
-          <a:p>
-            <a:pPr marL="0" indent="0">
-              <a:buNone/>
-            </a:pPr>
-            <a:br>
-              <a:rPr lang="en-US" dirty="0"/>
-            </a:br>
-            <a:r>
-              <a:rPr lang="en-US" dirty="0">
-                <a:ea typeface="+mn-lt"/>
-                <a:cs typeface="+mn-lt"/>
-              </a:rPr>
-              <a:t> </a:t>
-            </a:r>
-            <a:r>
-              <a:rPr lang="en-US" dirty="0">
-                <a:ea typeface="+mn-lt"/>
-                <a:cs typeface="+mn-lt"/>
-                <a:hlinkClick r:id="rId2"/>
-              </a:rPr>
-              <a:t>https://playground.tensorflow.org/</a:t>
-            </a:r>
-            <a:endParaRPr lang="en-US" dirty="0"/>
+          <a:lstStyle>
+            <a:lvl1pPr algn="l" defTabSz="914400" rtl="0" eaLnBrk="1" latinLnBrk="0" hangingPunct="1">
+              <a:lnSpc>
+                <a:spcPct val="90000"/>
+              </a:lnSpc>
+              <a:spcBef>
+                <a:spcPct val="0"/>
+              </a:spcBef>
+              <a:buNone/>
+              <a:defRPr sz="4400" kern="1200">
+                <a:solidFill>
+                  <a:schemeClr val="tx1"/>
+                </a:solidFill>
+                <a:latin typeface="+mj-lt"/>
+                <a:ea typeface="+mj-ea"/>
+                <a:cs typeface="+mj-cs"/>
+              </a:defRPr>
+            </a:lvl1pPr>
+          </a:lstStyle>
+          <a:p>
+            <a:r>
+              <a:rPr lang="en-US"/>
+              <a:t>How do activation functions help approximate f()</a:t>
+            </a:r>
           </a:p>
         </p:txBody>
       </p:sp>
     </p:spTree>
     <p:extLst>
       <p:ext uri="{BB962C8B-B14F-4D97-AF65-F5344CB8AC3E}">
-        <p14:creationId xmlns:p14="http://schemas.microsoft.com/office/powerpoint/2010/main" val="1727569355"/>
+        <p14:creationId xmlns:p14="http://schemas.microsoft.com/office/powerpoint/2010/main" val="2664532732"/>
       </p:ext>
     </p:extLst>
   </p:cSld>
@@ -3339,62 +3304,98 @@
       </p:grpSpPr>
       <p:sp>
         <p:nvSpPr>
-          <p:cNvPr id="5" name="Title 1">
+          <p:cNvPr id="2" name="Title 1">
             <a:extLst>
               <a:ext uri="{FF2B5EF4-FFF2-40B4-BE49-F238E27FC236}">
-                <a16:creationId xmlns:a16="http://schemas.microsoft.com/office/drawing/2014/main" id="{E51970AF-CB8D-A271-E3DE-0DC202AA55AB}"/>
+                <a16:creationId xmlns:a16="http://schemas.microsoft.com/office/drawing/2014/main" id="{DE9BA8AA-DF4F-4221-C7F1-0B4FF5D4E73A}"/>
               </a:ext>
             </a:extLst>
           </p:cNvPr>
-          <p:cNvSpPr txBox="1">
-            <a:spLocks/>
-          </p:cNvSpPr>
-          <p:nvPr/>
-        </p:nvSpPr>
-        <p:spPr>
-          <a:xfrm>
-            <a:off x="2510852" y="2121707"/>
-            <a:ext cx="9144000" cy="2387600"/>
-          </a:xfrm>
-          <a:prstGeom prst="rect">
-            <a:avLst/>
-          </a:prstGeom>
-        </p:spPr>
-        <p:txBody>
-          <a:bodyPr vert="horz" lIns="91440" tIns="45720" rIns="91440" bIns="45720" rtlCol="0" anchor="ctr">
+          <p:cNvSpPr>
+            <a:spLocks noGrp="1"/>
+          </p:cNvSpPr>
+          <p:nvPr>
+            <p:ph type="title"/>
+          </p:nvPr>
+        </p:nvSpPr>
+        <p:spPr/>
+        <p:txBody>
+          <a:bodyPr/>
+          <a:lstStyle/>
+          <a:p>
+            <a:r>
+              <a:rPr lang="en-US"/>
+              <a:t>Pick a friend + play</a:t>
+            </a:r>
+          </a:p>
+        </p:txBody>
+      </p:sp>
+      <p:sp>
+        <p:nvSpPr>
+          <p:cNvPr id="3" name="Content Placeholder 2">
+            <a:extLst>
+              <a:ext uri="{FF2B5EF4-FFF2-40B4-BE49-F238E27FC236}">
+                <a16:creationId xmlns:a16="http://schemas.microsoft.com/office/drawing/2014/main" id="{4C550C6E-4E74-8485-85C7-5F66D805EB89}"/>
+              </a:ext>
+            </a:extLst>
+          </p:cNvPr>
+          <p:cNvSpPr>
+            <a:spLocks noGrp="1"/>
+          </p:cNvSpPr>
+          <p:nvPr>
+            <p:ph idx="1"/>
+          </p:nvPr>
+        </p:nvSpPr>
+        <p:spPr/>
+        <p:txBody>
+          <a:bodyPr vert="horz" lIns="91440" tIns="45720" rIns="91440" bIns="45720" rtlCol="0" anchor="t">
             <a:normAutofit/>
           </a:bodyPr>
-          <a:lstStyle>
-            <a:lvl1pPr algn="l" defTabSz="914400" rtl="0" eaLnBrk="1" latinLnBrk="0" hangingPunct="1">
-              <a:lnSpc>
-                <a:spcPct val="90000"/>
-              </a:lnSpc>
-              <a:spcBef>
-                <a:spcPct val="0"/>
-              </a:spcBef>
-              <a:buNone/>
-              <a:defRPr sz="4400" kern="1200">
-                <a:solidFill>
-                  <a:schemeClr val="tx1"/>
-                </a:solidFill>
-                <a:latin typeface="+mj-lt"/>
-                <a:ea typeface="+mj-ea"/>
-                <a:cs typeface="+mj-cs"/>
-              </a:defRPr>
-            </a:lvl1pPr>
-          </a:lstStyle>
-          <a:p>
-            <a:r>
-              <a:rPr lang="en-US" dirty="0"/>
-              <a:t>Week 3. Land cover mapping</a:t>
-            </a:r>
+          <a:lstStyle/>
+          <a:p>
+            <a:r>
+              <a:rPr lang="en-US"/>
+              <a:t>See if you can define the </a:t>
+            </a:r>
+            <a:r>
+              <a:rPr lang="en-US" err="1"/>
+              <a:t>simplist</a:t>
+            </a:r>
+            <a:r>
+              <a:rPr lang="en-US"/>
+              <a:t> and best network for one of these problems!</a:t>
+            </a:r>
+          </a:p>
+          <a:p>
+            <a:pPr marL="0" indent="0">
+              <a:buNone/>
+            </a:pPr>
+            <a:br>
+              <a:rPr lang="en-US"/>
+            </a:br>
+            <a:r>
+              <a:rPr lang="en-US">
+                <a:ea typeface="+mn-lt"/>
+                <a:cs typeface="+mn-lt"/>
+              </a:rPr>
+              <a:t> </a:t>
+            </a:r>
+            <a:r>
+              <a:rPr lang="en-US">
+                <a:ea typeface="+mn-lt"/>
+                <a:cs typeface="+mn-lt"/>
+                <a:hlinkClick r:id="rId2"/>
+              </a:rPr>
+              <a:t>https://playground.tensorflow.org/</a:t>
+            </a:r>
+            <a:endParaRPr lang="en-US"/>
           </a:p>
         </p:txBody>
       </p:sp>
     </p:spTree>
     <p:extLst>
       <p:ext uri="{BB962C8B-B14F-4D97-AF65-F5344CB8AC3E}">
-        <p14:creationId xmlns:p14="http://schemas.microsoft.com/office/powerpoint/2010/main" val="2231051046"/>
+        <p14:creationId xmlns:p14="http://schemas.microsoft.com/office/powerpoint/2010/main" val="1727569355"/>
       </p:ext>
     </p:extLst>
   </p:cSld>
@@ -3426,7 +3427,7 @@
           <p:cNvPr id="5" name="Title 1">
             <a:extLst>
               <a:ext uri="{FF2B5EF4-FFF2-40B4-BE49-F238E27FC236}">
-                <a16:creationId xmlns:a16="http://schemas.microsoft.com/office/drawing/2014/main" id="{87327AB0-DF77-AEEB-7A65-5FB2E8E0DF49}"/>
+                <a16:creationId xmlns:a16="http://schemas.microsoft.com/office/drawing/2014/main" id="{E51970AF-CB8D-A271-E3DE-0DC202AA55AB}"/>
               </a:ext>
             </a:extLst>
           </p:cNvPr>
@@ -3437,7 +3438,7 @@
         </p:nvSpPr>
         <p:spPr>
           <a:xfrm>
-            <a:off x="1995037" y="2238938"/>
+            <a:off x="2510852" y="2121707"/>
             <a:ext cx="9144000" cy="2387600"/>
           </a:xfrm>
           <a:prstGeom prst="rect">
@@ -3469,14 +3470,8 @@
           </a:lstStyle>
           <a:p>
             <a:r>
-              <a:rPr lang="en-US" dirty="0"/>
-              <a:t>What is land cover? And why is it so </a:t>
-            </a:r>
-          </a:p>
-          <a:p>
-            <a:r>
-              <a:rPr lang="en-US" dirty="0"/>
-              <a:t>important?</a:t>
+              <a:rPr lang="en-US"/>
+              <a:t>Week 3. Land cover mapping</a:t>
             </a:r>
           </a:p>
         </p:txBody>
@@ -3484,7 +3479,7 @@
     </p:spTree>
     <p:extLst>
       <p:ext uri="{BB962C8B-B14F-4D97-AF65-F5344CB8AC3E}">
-        <p14:creationId xmlns:p14="http://schemas.microsoft.com/office/powerpoint/2010/main" val="2664997351"/>
+        <p14:creationId xmlns:p14="http://schemas.microsoft.com/office/powerpoint/2010/main" val="2231051046"/>
       </p:ext>
     </p:extLst>
   </p:cSld>
@@ -3513,10 +3508,10 @@
       </p:grpSpPr>
       <p:sp>
         <p:nvSpPr>
-          <p:cNvPr id="3" name="Title 1">
+          <p:cNvPr id="5" name="Title 1">
             <a:extLst>
               <a:ext uri="{FF2B5EF4-FFF2-40B4-BE49-F238E27FC236}">
-                <a16:creationId xmlns:a16="http://schemas.microsoft.com/office/drawing/2014/main" id="{0801B3B3-4910-DDE3-08B4-55BE0EF30D1E}"/>
+                <a16:creationId xmlns:a16="http://schemas.microsoft.com/office/drawing/2014/main" id="{87327AB0-DF77-AEEB-7A65-5FB2E8E0DF49}"/>
               </a:ext>
             </a:extLst>
           </p:cNvPr>
@@ -3527,7 +3522,7 @@
         </p:nvSpPr>
         <p:spPr>
           <a:xfrm>
-            <a:off x="2281290" y="2585153"/>
+            <a:off x="1995037" y="2238938"/>
             <a:ext cx="9144000" cy="2387600"/>
           </a:xfrm>
           <a:prstGeom prst="rect">
@@ -3536,7 +3531,7 @@
         </p:spPr>
         <p:txBody>
           <a:bodyPr vert="horz" lIns="91440" tIns="45720" rIns="91440" bIns="45720" rtlCol="0" anchor="ctr">
-            <a:normAutofit lnSpcReduction="10000"/>
+            <a:normAutofit/>
           </a:bodyPr>
           <a:lstStyle>
             <a:lvl1pPr algn="l" defTabSz="914400" rtl="0" eaLnBrk="1" latinLnBrk="0" hangingPunct="1">
@@ -3559,14 +3554,14 @@
           </a:lstStyle>
           <a:p>
             <a:r>
-              <a:rPr lang="en-US" dirty="0"/>
-              <a:t>Draw a CNN and describe how it</a:t>
-            </a:r>
-          </a:p>
-          <a:p>
-            <a:r>
-              <a:rPr lang="en-US" dirty="0"/>
-              <a:t>works, including how you compute output steps and dimensions for intermediate steps</a:t>
+              <a:rPr lang="en-US"/>
+              <a:t>What is land cover? And why is it so </a:t>
+            </a:r>
+          </a:p>
+          <a:p>
+            <a:r>
+              <a:rPr lang="en-US"/>
+              <a:t>Important? What can and can't you say from it?</a:t>
             </a:r>
           </a:p>
         </p:txBody>
@@ -3574,7 +3569,7 @@
     </p:spTree>
     <p:extLst>
       <p:ext uri="{BB962C8B-B14F-4D97-AF65-F5344CB8AC3E}">
-        <p14:creationId xmlns:p14="http://schemas.microsoft.com/office/powerpoint/2010/main" val="1511417392"/>
+        <p14:creationId xmlns:p14="http://schemas.microsoft.com/office/powerpoint/2010/main" val="2664997351"/>
       </p:ext>
     </p:extLst>
   </p:cSld>
@@ -3603,10 +3598,10 @@
       </p:grpSpPr>
       <p:sp>
         <p:nvSpPr>
-          <p:cNvPr id="5" name="Title 1">
+          <p:cNvPr id="3" name="Title 1">
             <a:extLst>
               <a:ext uri="{FF2B5EF4-FFF2-40B4-BE49-F238E27FC236}">
-                <a16:creationId xmlns:a16="http://schemas.microsoft.com/office/drawing/2014/main" id="{87327AB0-DF77-AEEB-7A65-5FB2E8E0DF49}"/>
+                <a16:creationId xmlns:a16="http://schemas.microsoft.com/office/drawing/2014/main" id="{0801B3B3-4910-DDE3-08B4-55BE0EF30D1E}"/>
               </a:ext>
             </a:extLst>
           </p:cNvPr>
@@ -3617,8 +3612,8 @@
         </p:nvSpPr>
         <p:spPr>
           <a:xfrm>
-            <a:off x="1887530" y="2233940"/>
-            <a:ext cx="9144000" cy="2387600"/>
+            <a:off x="1037402" y="739108"/>
+            <a:ext cx="10116000" cy="5378094"/>
           </a:xfrm>
           <a:prstGeom prst="rect">
             <a:avLst/>
@@ -3626,7 +3621,7 @@
         </p:spPr>
         <p:txBody>
           <a:bodyPr vert="horz" lIns="91440" tIns="45720" rIns="91440" bIns="45720" rtlCol="0" anchor="ctr">
-            <a:normAutofit/>
+            <a:normAutofit fontScale="92500" lnSpcReduction="10000"/>
           </a:bodyPr>
           <a:lstStyle>
             <a:lvl1pPr algn="l" defTabSz="914400" rtl="0" eaLnBrk="1" latinLnBrk="0" hangingPunct="1">
@@ -3649,16 +3644,46 @@
           </a:lstStyle>
           <a:p>
             <a:r>
-              <a:rPr lang="en-US" dirty="0"/>
-              <a:t>What is a feature map? What does it tell you?</a:t>
-            </a:r>
+              <a:rPr lang="en-US"/>
+              <a:t>Roles for each of you in group: </a:t>
+            </a:r>
+          </a:p>
+          <a:p>
+            <a:endParaRPr lang="en-US"/>
+          </a:p>
+          <a:p>
+            <a:r>
+              <a:rPr lang="en-US"/>
+              <a:t>Partner 1:Explain what a CNN is and how it works</a:t>
+            </a:r>
+          </a:p>
+          <a:p>
+            <a:endParaRPr lang="en-US"/>
+          </a:p>
+          <a:p>
+            <a:r>
+              <a:rPr lang="en-US"/>
+              <a:t>Partner 2: Explain the difference between image classification and segmentation </a:t>
+            </a:r>
+          </a:p>
+          <a:p>
+            <a:endParaRPr lang="en-US"/>
+          </a:p>
+          <a:p>
+            <a:r>
+              <a:rPr lang="en-US"/>
+              <a:t>Partner 1 or 2: Explain what a residual connection is and why it is important</a:t>
+            </a:r>
+          </a:p>
+          <a:p>
+            <a:endParaRPr lang="en-US"/>
           </a:p>
         </p:txBody>
       </p:sp>
     </p:spTree>
     <p:extLst>
       <p:ext uri="{BB962C8B-B14F-4D97-AF65-F5344CB8AC3E}">
-        <p14:creationId xmlns:p14="http://schemas.microsoft.com/office/powerpoint/2010/main" val="2651258599"/>
+        <p14:creationId xmlns:p14="http://schemas.microsoft.com/office/powerpoint/2010/main" val="1511417392"/>
       </p:ext>
     </p:extLst>
   </p:cSld>
@@ -3690,7 +3715,7 @@
           <p:cNvPr id="5" name="Title 1">
             <a:extLst>
               <a:ext uri="{FF2B5EF4-FFF2-40B4-BE49-F238E27FC236}">
-                <a16:creationId xmlns:a16="http://schemas.microsoft.com/office/drawing/2014/main" id="{52A597A7-4D29-19AB-B027-85364D6FC741}"/>
+                <a16:creationId xmlns:a16="http://schemas.microsoft.com/office/drawing/2014/main" id="{87327AB0-DF77-AEEB-7A65-5FB2E8E0DF49}"/>
               </a:ext>
             </a:extLst>
           </p:cNvPr>
@@ -3701,7 +3726,7 @@
         </p:nvSpPr>
         <p:spPr>
           <a:xfrm>
-            <a:off x="2133761" y="2233940"/>
+            <a:off x="1797530" y="2143940"/>
             <a:ext cx="9144000" cy="2387600"/>
           </a:xfrm>
           <a:prstGeom prst="rect">
@@ -3710,7 +3735,7 @@
         </p:spPr>
         <p:txBody>
           <a:bodyPr vert="horz" lIns="91440" tIns="45720" rIns="91440" bIns="45720" rtlCol="0" anchor="ctr">
-            <a:normAutofit/>
+            <a:normAutofit fontScale="55000" lnSpcReduction="20000"/>
           </a:bodyPr>
           <a:lstStyle>
             <a:lvl1pPr algn="l" defTabSz="914400" rtl="0" eaLnBrk="1" latinLnBrk="0" hangingPunct="1">
@@ -3734,7 +3759,31 @@
           <a:p>
             <a:r>
               <a:rPr lang="en-US"/>
-              <a:t>What is a residual connection and why are they important?</a:t>
+              <a:t>Design a composite loss function to detect* something using a CNN that no-one (to your knowledge has detected before in this way)</a:t>
+            </a:r>
+          </a:p>
+          <a:p>
+            <a:endParaRPr lang="en-US"/>
+          </a:p>
+          <a:p>
+            <a:r>
+              <a:rPr lang="en-US"/>
+              <a:t>(objective: conceptual, </a:t>
+            </a:r>
+          </a:p>
+          <a:p>
+            <a:r>
+              <a:rPr lang="en-US"/>
+              <a:t>but bonus: write out the function and make sure it is differentiable!)</a:t>
+            </a:r>
+          </a:p>
+          <a:p>
+            <a:endParaRPr lang="en-US"/>
+          </a:p>
+          <a:p>
+            <a:r>
+              <a:rPr lang="en-US" sz="3300"/>
+              <a:t>*or do something else</a:t>
             </a:r>
           </a:p>
         </p:txBody>
@@ -3742,7 +3791,7 @@
     </p:spTree>
     <p:extLst>
       <p:ext uri="{BB962C8B-B14F-4D97-AF65-F5344CB8AC3E}">
-        <p14:creationId xmlns:p14="http://schemas.microsoft.com/office/powerpoint/2010/main" val="3839894743"/>
+        <p14:creationId xmlns:p14="http://schemas.microsoft.com/office/powerpoint/2010/main" val="2651258599"/>
       </p:ext>
     </p:extLst>
   </p:cSld>
@@ -3774,7 +3823,7 @@
           <p:cNvPr id="5" name="Title 1">
             <a:extLst>
               <a:ext uri="{FF2B5EF4-FFF2-40B4-BE49-F238E27FC236}">
-                <a16:creationId xmlns:a16="http://schemas.microsoft.com/office/drawing/2014/main" id="{52A597A7-4D29-19AB-B027-85364D6FC741}"/>
+                <a16:creationId xmlns:a16="http://schemas.microsoft.com/office/drawing/2014/main" id="{E51970AF-CB8D-A271-E3DE-0DC202AA55AB}"/>
               </a:ext>
             </a:extLst>
           </p:cNvPr>
@@ -3785,7 +3834,7 @@
         </p:nvSpPr>
         <p:spPr>
           <a:xfrm>
-            <a:off x="2133761" y="2233940"/>
+            <a:off x="2510852" y="2121707"/>
             <a:ext cx="9144000" cy="2387600"/>
           </a:xfrm>
           <a:prstGeom prst="rect">
@@ -3817,95 +3866,7 @@
           </a:lstStyle>
           <a:p>
             <a:r>
-              <a:rPr lang="en-US" dirty="0">
-                <a:ea typeface="+mj-lt"/>
-                <a:cs typeface="+mj-lt"/>
-              </a:rPr>
-              <a:t>What is the difference between image classification and  segmentation (bonus object detection)?</a:t>
-            </a:r>
-            <a:endParaRPr lang="en-US" dirty="0"/>
-          </a:p>
-        </p:txBody>
-      </p:sp>
-    </p:spTree>
-    <p:extLst>
-      <p:ext uri="{BB962C8B-B14F-4D97-AF65-F5344CB8AC3E}">
-        <p14:creationId xmlns:p14="http://schemas.microsoft.com/office/powerpoint/2010/main" val="289599515"/>
-      </p:ext>
-    </p:extLst>
-  </p:cSld>
-  <p:clrMapOvr>
-    <a:masterClrMapping/>
-  </p:clrMapOvr>
-</p:sld>
-</file>
-
-<file path=ppt/slides/slide19.xml><?xml version="1.0" encoding="utf-8"?>
-<p:sld xmlns:a="http://schemas.openxmlformats.org/drawingml/2006/main" xmlns:r="http://schemas.openxmlformats.org/officeDocument/2006/relationships" xmlns:p="http://schemas.openxmlformats.org/presentationml/2006/main">
-  <p:cSld>
-    <p:spTree>
-      <p:nvGrpSpPr>
-        <p:cNvPr id="1" name=""/>
-        <p:cNvGrpSpPr/>
-        <p:nvPr/>
-      </p:nvGrpSpPr>
-      <p:grpSpPr>
-        <a:xfrm>
-          <a:off x="0" y="0"/>
-          <a:ext cx="0" cy="0"/>
-          <a:chOff x="0" y="0"/>
-          <a:chExt cx="0" cy="0"/>
-        </a:xfrm>
-      </p:grpSpPr>
-      <p:sp>
-        <p:nvSpPr>
-          <p:cNvPr id="5" name="Title 1">
-            <a:extLst>
-              <a:ext uri="{FF2B5EF4-FFF2-40B4-BE49-F238E27FC236}">
-                <a16:creationId xmlns:a16="http://schemas.microsoft.com/office/drawing/2014/main" id="{E51970AF-CB8D-A271-E3DE-0DC202AA55AB}"/>
-              </a:ext>
-            </a:extLst>
-          </p:cNvPr>
-          <p:cNvSpPr txBox="1">
-            <a:spLocks/>
-          </p:cNvSpPr>
-          <p:nvPr/>
-        </p:nvSpPr>
-        <p:spPr>
-          <a:xfrm>
-            <a:off x="2510852" y="2121707"/>
-            <a:ext cx="9144000" cy="2387600"/>
-          </a:xfrm>
-          <a:prstGeom prst="rect">
-            <a:avLst/>
-          </a:prstGeom>
-        </p:spPr>
-        <p:txBody>
-          <a:bodyPr vert="horz" lIns="91440" tIns="45720" rIns="91440" bIns="45720" rtlCol="0" anchor="ctr">
-            <a:normAutofit/>
-          </a:bodyPr>
-          <a:lstStyle>
-            <a:lvl1pPr algn="l" defTabSz="914400" rtl="0" eaLnBrk="1" latinLnBrk="0" hangingPunct="1">
-              <a:lnSpc>
-                <a:spcPct val="90000"/>
-              </a:lnSpc>
-              <a:spcBef>
-                <a:spcPct val="0"/>
-              </a:spcBef>
-              <a:buNone/>
-              <a:defRPr sz="4400" kern="1200">
-                <a:solidFill>
-                  <a:schemeClr val="tx1"/>
-                </a:solidFill>
-                <a:latin typeface="+mj-lt"/>
-                <a:ea typeface="+mj-ea"/>
-                <a:cs typeface="+mj-cs"/>
-              </a:defRPr>
-            </a:lvl1pPr>
-          </a:lstStyle>
-          <a:p>
-            <a:r>
-              <a:rPr lang="en-US" dirty="0"/>
+              <a:rPr lang="en-US"/>
               <a:t>Weeks 4-16 on their way :)</a:t>
             </a:r>
           </a:p>
@@ -3943,54 +3904,33 @@
       </p:grpSpPr>
       <p:sp>
         <p:nvSpPr>
-          <p:cNvPr id="5" name="Title 1">
+          <p:cNvPr id="2" name="Title 1">
             <a:extLst>
               <a:ext uri="{FF2B5EF4-FFF2-40B4-BE49-F238E27FC236}">
-                <a16:creationId xmlns:a16="http://schemas.microsoft.com/office/drawing/2014/main" id="{E51970AF-CB8D-A271-E3DE-0DC202AA55AB}"/>
+                <a16:creationId xmlns:a16="http://schemas.microsoft.com/office/drawing/2014/main" id="{738C49DA-9997-374C-D5FA-C74DBD163FCF}"/>
               </a:ext>
             </a:extLst>
           </p:cNvPr>
-          <p:cNvSpPr txBox="1">
-            <a:spLocks/>
-          </p:cNvSpPr>
-          <p:nvPr/>
+          <p:cNvSpPr>
+            <a:spLocks noGrp="1"/>
+          </p:cNvSpPr>
+          <p:nvPr>
+            <p:ph type="title"/>
+          </p:nvPr>
         </p:nvSpPr>
         <p:spPr>
           <a:xfrm>
-            <a:off x="2510852" y="2121707"/>
-            <a:ext cx="9144000" cy="2387600"/>
+            <a:off x="2557943" y="2294593"/>
+            <a:ext cx="10515600" cy="1325563"/>
           </a:xfrm>
-          <a:prstGeom prst="rect">
-            <a:avLst/>
-          </a:prstGeom>
         </p:spPr>
         <p:txBody>
-          <a:bodyPr vert="horz" lIns="91440" tIns="45720" rIns="91440" bIns="45720" rtlCol="0" anchor="ctr">
-            <a:normAutofit/>
-          </a:bodyPr>
-          <a:lstStyle>
-            <a:lvl1pPr algn="l" defTabSz="914400" rtl="0" eaLnBrk="1" latinLnBrk="0" hangingPunct="1">
-              <a:lnSpc>
-                <a:spcPct val="90000"/>
-              </a:lnSpc>
-              <a:spcBef>
-                <a:spcPct val="0"/>
-              </a:spcBef>
-              <a:buNone/>
-              <a:defRPr sz="4400" kern="1200">
-                <a:solidFill>
-                  <a:schemeClr val="tx1"/>
-                </a:solidFill>
-                <a:latin typeface="+mj-lt"/>
-                <a:ea typeface="+mj-ea"/>
-                <a:cs typeface="+mj-cs"/>
-              </a:defRPr>
-            </a:lvl1pPr>
-          </a:lstStyle>
-          <a:p>
-            <a:r>
-              <a:rPr lang="en-US"/>
-              <a:t>Week 1. Data for Sustainable Development</a:t>
+          <a:bodyPr/>
+          <a:lstStyle/>
+          <a:p>
+            <a:r>
+              <a:rPr lang="en-US"/>
+              <a:t>Intros</a:t>
             </a:r>
           </a:p>
         </p:txBody>
@@ -3998,7 +3938,7 @@
     </p:spTree>
     <p:extLst>
       <p:ext uri="{BB962C8B-B14F-4D97-AF65-F5344CB8AC3E}">
-        <p14:creationId xmlns:p14="http://schemas.microsoft.com/office/powerpoint/2010/main" val="1214120151"/>
+        <p14:creationId xmlns:p14="http://schemas.microsoft.com/office/powerpoint/2010/main" val="4037903991"/>
       </p:ext>
     </p:extLst>
   </p:cSld>
@@ -4030,7 +3970,7 @@
           <p:cNvPr id="5" name="Title 1">
             <a:extLst>
               <a:ext uri="{FF2B5EF4-FFF2-40B4-BE49-F238E27FC236}">
-                <a16:creationId xmlns:a16="http://schemas.microsoft.com/office/drawing/2014/main" id="{87327AB0-DF77-AEEB-7A65-5FB2E8E0DF49}"/>
+                <a16:creationId xmlns:a16="http://schemas.microsoft.com/office/drawing/2014/main" id="{E51970AF-CB8D-A271-E3DE-0DC202AA55AB}"/>
               </a:ext>
             </a:extLst>
           </p:cNvPr>
@@ -4041,7 +3981,7 @@
         </p:nvSpPr>
         <p:spPr>
           <a:xfrm>
-            <a:off x="1923737" y="2508953"/>
+            <a:off x="2510852" y="2121707"/>
             <a:ext cx="9144000" cy="2387600"/>
           </a:xfrm>
           <a:prstGeom prst="rect">
@@ -4073,8 +4013,8 @@
           </a:lstStyle>
           <a:p>
             <a:r>
-              <a:rPr lang="en-US" dirty="0"/>
-              <a:t>What is sustainable development? </a:t>
+              <a:rPr lang="en-US"/>
+              <a:t>Week 1. Data for Sustainable Development</a:t>
             </a:r>
           </a:p>
         </p:txBody>
@@ -4082,7 +4022,7 @@
     </p:spTree>
     <p:extLst>
       <p:ext uri="{BB962C8B-B14F-4D97-AF65-F5344CB8AC3E}">
-        <p14:creationId xmlns:p14="http://schemas.microsoft.com/office/powerpoint/2010/main" val="3144313061"/>
+        <p14:creationId xmlns:p14="http://schemas.microsoft.com/office/powerpoint/2010/main" val="1214120151"/>
       </p:ext>
     </p:extLst>
   </p:cSld>
@@ -4125,7 +4065,7 @@
         </p:nvSpPr>
         <p:spPr>
           <a:xfrm>
-            <a:off x="1948721" y="2234133"/>
+            <a:off x="1923737" y="2508953"/>
             <a:ext cx="9144000" cy="2387600"/>
           </a:xfrm>
           <a:prstGeom prst="rect">
@@ -4157,8 +4097,8 @@
           </a:lstStyle>
           <a:p>
             <a:r>
-              <a:rPr lang="en-US" dirty="0"/>
-              <a:t>What are the major challenges to measurement and monitoring it?   </a:t>
+              <a:rPr lang="en-US"/>
+              <a:t>What is sustainable development? </a:t>
             </a:r>
           </a:p>
         </p:txBody>
@@ -4166,7 +4106,7 @@
     </p:spTree>
     <p:extLst>
       <p:ext uri="{BB962C8B-B14F-4D97-AF65-F5344CB8AC3E}">
-        <p14:creationId xmlns:p14="http://schemas.microsoft.com/office/powerpoint/2010/main" val="1303141605"/>
+        <p14:creationId xmlns:p14="http://schemas.microsoft.com/office/powerpoint/2010/main" val="3144313061"/>
       </p:ext>
     </p:extLst>
   </p:cSld>
@@ -4242,7 +4182,7 @@
           <a:p>
             <a:r>
               <a:rPr lang="en-US"/>
-              <a:t>Give one cool example of how data is being used to overcome those challenges advance SD goals</a:t>
+              <a:t>What are the major challenges to measurement and monitoring it?   </a:t>
             </a:r>
           </a:p>
         </p:txBody>
@@ -4250,7 +4190,7 @@
     </p:spTree>
     <p:extLst>
       <p:ext uri="{BB962C8B-B14F-4D97-AF65-F5344CB8AC3E}">
-        <p14:creationId xmlns:p14="http://schemas.microsoft.com/office/powerpoint/2010/main" val="32010660"/>
+        <p14:creationId xmlns:p14="http://schemas.microsoft.com/office/powerpoint/2010/main" val="1303141605"/>
       </p:ext>
     </p:extLst>
   </p:cSld>
@@ -4282,7 +4222,7 @@
           <p:cNvPr id="5" name="Title 1">
             <a:extLst>
               <a:ext uri="{FF2B5EF4-FFF2-40B4-BE49-F238E27FC236}">
-                <a16:creationId xmlns:a16="http://schemas.microsoft.com/office/drawing/2014/main" id="{E51970AF-CB8D-A271-E3DE-0DC202AA55AB}"/>
+                <a16:creationId xmlns:a16="http://schemas.microsoft.com/office/drawing/2014/main" id="{87327AB0-DF77-AEEB-7A65-5FB2E8E0DF49}"/>
               </a:ext>
             </a:extLst>
           </p:cNvPr>
@@ -4293,7 +4233,7 @@
         </p:nvSpPr>
         <p:spPr>
           <a:xfrm>
-            <a:off x="2510852" y="2121707"/>
+            <a:off x="1948721" y="2234133"/>
             <a:ext cx="9144000" cy="2387600"/>
           </a:xfrm>
           <a:prstGeom prst="rect">
@@ -4325,8 +4265,8 @@
           </a:lstStyle>
           <a:p>
             <a:r>
-              <a:rPr lang="en-US" dirty="0"/>
-              <a:t>Week 2. Getting up to speed</a:t>
+              <a:rPr lang="en-US"/>
+              <a:t>Give one cool example of how data is being used to overcome those challenges advance SD goals</a:t>
             </a:r>
           </a:p>
         </p:txBody>
@@ -4334,7 +4274,7 @@
     </p:spTree>
     <p:extLst>
       <p:ext uri="{BB962C8B-B14F-4D97-AF65-F5344CB8AC3E}">
-        <p14:creationId xmlns:p14="http://schemas.microsoft.com/office/powerpoint/2010/main" val="849154959"/>
+        <p14:creationId xmlns:p14="http://schemas.microsoft.com/office/powerpoint/2010/main" val="32010660"/>
       </p:ext>
     </p:extLst>
   </p:cSld>
@@ -4410,7 +4350,7 @@
           <a:p>
             <a:r>
               <a:rPr lang="en-US"/>
-              <a:t>Why do we need machine learning?</a:t>
+              <a:t>Week 2. Getting up to speed</a:t>
             </a:r>
           </a:p>
         </p:txBody>
@@ -4418,7 +4358,7 @@
     </p:spTree>
     <p:extLst>
       <p:ext uri="{BB962C8B-B14F-4D97-AF65-F5344CB8AC3E}">
-        <p14:creationId xmlns:p14="http://schemas.microsoft.com/office/powerpoint/2010/main" val="166932344"/>
+        <p14:creationId xmlns:p14="http://schemas.microsoft.com/office/powerpoint/2010/main" val="849154959"/>
       </p:ext>
     </p:extLst>
   </p:cSld>
@@ -4450,7 +4390,7 @@
           <p:cNvPr id="5" name="Title 1">
             <a:extLst>
               <a:ext uri="{FF2B5EF4-FFF2-40B4-BE49-F238E27FC236}">
-                <a16:creationId xmlns:a16="http://schemas.microsoft.com/office/drawing/2014/main" id="{87327AB0-DF77-AEEB-7A65-5FB2E8E0DF49}"/>
+                <a16:creationId xmlns:a16="http://schemas.microsoft.com/office/drawing/2014/main" id="{E51970AF-CB8D-A271-E3DE-0DC202AA55AB}"/>
               </a:ext>
             </a:extLst>
           </p:cNvPr>
@@ -4461,7 +4401,7 @@
         </p:nvSpPr>
         <p:spPr>
           <a:xfrm>
-            <a:off x="4256629" y="2421030"/>
+            <a:off x="2510852" y="2121707"/>
             <a:ext cx="9144000" cy="2387600"/>
           </a:xfrm>
           <a:prstGeom prst="rect">
@@ -4493,8 +4433,8 @@
           </a:lstStyle>
           <a:p>
             <a:r>
-              <a:rPr lang="en-US" dirty="0"/>
-              <a:t>Draw an MLP</a:t>
+              <a:rPr lang="en-US"/>
+              <a:t>Why do we need machine learning?</a:t>
             </a:r>
           </a:p>
         </p:txBody>
@@ -4502,7 +4442,7 @@
     </p:spTree>
     <p:extLst>
       <p:ext uri="{BB962C8B-B14F-4D97-AF65-F5344CB8AC3E}">
-        <p14:creationId xmlns:p14="http://schemas.microsoft.com/office/powerpoint/2010/main" val="524131325"/>
+        <p14:creationId xmlns:p14="http://schemas.microsoft.com/office/powerpoint/2010/main" val="166932344"/>
       </p:ext>
     </p:extLst>
   </p:cSld>
@@ -4545,7 +4485,7 @@
         </p:nvSpPr>
         <p:spPr>
           <a:xfrm>
-            <a:off x="1923737" y="2508953"/>
+            <a:off x="4256629" y="2421030"/>
             <a:ext cx="9144000" cy="2387600"/>
           </a:xfrm>
           <a:prstGeom prst="rect">
@@ -4578,7 +4518,7 @@
           <a:p>
             <a:r>
               <a:rPr lang="en-US"/>
-              <a:t>How do we make it work? (describe a  training cycle on your MLP with backprop +SDG)</a:t>
+              <a:t>Draw an MLP</a:t>
             </a:r>
           </a:p>
         </p:txBody>
@@ -4586,7 +4526,7 @@
     </p:spTree>
     <p:extLst>
       <p:ext uri="{BB962C8B-B14F-4D97-AF65-F5344CB8AC3E}">
-        <p14:creationId xmlns:p14="http://schemas.microsoft.com/office/powerpoint/2010/main" val="497557816"/>
+        <p14:creationId xmlns:p14="http://schemas.microsoft.com/office/powerpoint/2010/main" val="524131325"/>
       </p:ext>
     </p:extLst>
   </p:cSld>

--- a/resources/ai4good group discussion points.pptx
+++ b/resources/ai4good group discussion points.pptx
@@ -19,10 +19,27 @@
     <p:sldId id="287" r:id="rId13"/>
     <p:sldId id="275" r:id="rId14"/>
     <p:sldId id="273" r:id="rId15"/>
-    <p:sldId id="277" r:id="rId16"/>
-    <p:sldId id="279" r:id="rId17"/>
-    <p:sldId id="283" r:id="rId18"/>
-    <p:sldId id="281" r:id="rId19"/>
+    <p:sldId id="279" r:id="rId16"/>
+    <p:sldId id="283" r:id="rId17"/>
+    <p:sldId id="281" r:id="rId18"/>
+    <p:sldId id="277" r:id="rId19"/>
+    <p:sldId id="291" r:id="rId20"/>
+    <p:sldId id="292" r:id="rId21"/>
+    <p:sldId id="290" r:id="rId22"/>
+    <p:sldId id="299" r:id="rId23"/>
+    <p:sldId id="295" r:id="rId24"/>
+    <p:sldId id="296" r:id="rId25"/>
+    <p:sldId id="297" r:id="rId26"/>
+    <p:sldId id="298" r:id="rId27"/>
+    <p:sldId id="300" r:id="rId28"/>
+    <p:sldId id="301" r:id="rId29"/>
+    <p:sldId id="302" r:id="rId30"/>
+    <p:sldId id="303" r:id="rId31"/>
+    <p:sldId id="304" r:id="rId32"/>
+    <p:sldId id="305" r:id="rId33"/>
+    <p:sldId id="307" r:id="rId34"/>
+    <p:sldId id="308" r:id="rId35"/>
+    <p:sldId id="293" r:id="rId36"/>
   </p:sldIdLst>
   <p:sldSz cx="12192000" cy="6858000"/>
   <p:notesSz cx="6858000" cy="9144000"/>
@@ -132,9 +149,7 @@
 <file path=ppt/revisionInfo.xml><?xml version="1.0" encoding="utf-8"?>
 <p1510:revInfo xmlns:a="http://schemas.openxmlformats.org/drawingml/2006/main" xmlns:r="http://schemas.openxmlformats.org/officeDocument/2006/relationships" xmlns:p1510="http://schemas.microsoft.com/office/powerpoint/2015/10/main">
   <p1510:revLst>
-    <p1510:client id="{7FCA6276-5D9D-CEEF-E305-532BB6024198}" v="9" dt="2025-01-28T23:24:31.366"/>
-    <p1510:client id="{8A9DEDA2-3614-BEBB-E2C7-C6EF81ADDB50}" v="232" dt="2025-01-28T19:59:30.154"/>
-    <p1510:client id="{CA0279A8-7B6E-A15F-3C9F-75D029DDB77C}" v="22" dt="2025-01-28T23:47:39.972"/>
+    <p1510:client id="{C289E8E9-1A34-8C30-18AD-29D209ACDF5E}" v="194" dt="2025-02-24T05:02:51.146"/>
   </p1510:revLst>
 </p1510:revInfo>
 </file>
@@ -268,7 +283,7 @@
           <a:p>
             <a:fld id="{846CE7D5-CF57-46EF-B807-FDD0502418D4}" type="datetimeFigureOut">
               <a:rPr lang="en-US" smtClean="0"/>
-              <a:t>1/28/2025</a:t>
+              <a:t>2/23/2025</a:t>
             </a:fld>
             <a:endParaRPr lang="en-US"/>
           </a:p>
@@ -436,7 +451,7 @@
           <a:p>
             <a:fld id="{846CE7D5-CF57-46EF-B807-FDD0502418D4}" type="datetimeFigureOut">
               <a:rPr lang="en-US" smtClean="0"/>
-              <a:t>1/28/2025</a:t>
+              <a:t>2/23/2025</a:t>
             </a:fld>
             <a:endParaRPr lang="en-US"/>
           </a:p>
@@ -614,7 +629,7 @@
           <a:p>
             <a:fld id="{846CE7D5-CF57-46EF-B807-FDD0502418D4}" type="datetimeFigureOut">
               <a:rPr lang="en-US" smtClean="0"/>
-              <a:t>1/28/2025</a:t>
+              <a:t>2/23/2025</a:t>
             </a:fld>
             <a:endParaRPr lang="en-US"/>
           </a:p>
@@ -782,7 +797,7 @@
           <a:p>
             <a:fld id="{846CE7D5-CF57-46EF-B807-FDD0502418D4}" type="datetimeFigureOut">
               <a:rPr lang="en-US" smtClean="0"/>
-              <a:t>1/28/2025</a:t>
+              <a:t>2/23/2025</a:t>
             </a:fld>
             <a:endParaRPr lang="en-US"/>
           </a:p>
@@ -1027,7 +1042,7 @@
           <a:p>
             <a:fld id="{846CE7D5-CF57-46EF-B807-FDD0502418D4}" type="datetimeFigureOut">
               <a:rPr lang="en-US" smtClean="0"/>
-              <a:t>1/28/2025</a:t>
+              <a:t>2/23/2025</a:t>
             </a:fld>
             <a:endParaRPr lang="en-US"/>
           </a:p>
@@ -1256,7 +1271,7 @@
           <a:p>
             <a:fld id="{846CE7D5-CF57-46EF-B807-FDD0502418D4}" type="datetimeFigureOut">
               <a:rPr lang="en-US" smtClean="0"/>
-              <a:t>1/28/2025</a:t>
+              <a:t>2/23/2025</a:t>
             </a:fld>
             <a:endParaRPr lang="en-US"/>
           </a:p>
@@ -1620,7 +1635,7 @@
           <a:p>
             <a:fld id="{846CE7D5-CF57-46EF-B807-FDD0502418D4}" type="datetimeFigureOut">
               <a:rPr lang="en-US" smtClean="0"/>
-              <a:t>1/28/2025</a:t>
+              <a:t>2/23/2025</a:t>
             </a:fld>
             <a:endParaRPr lang="en-US"/>
           </a:p>
@@ -1737,7 +1752,7 @@
           <a:p>
             <a:fld id="{846CE7D5-CF57-46EF-B807-FDD0502418D4}" type="datetimeFigureOut">
               <a:rPr lang="en-US" smtClean="0"/>
-              <a:t>1/28/2025</a:t>
+              <a:t>2/23/2025</a:t>
             </a:fld>
             <a:endParaRPr lang="en-US"/>
           </a:p>
@@ -1832,7 +1847,7 @@
           <a:p>
             <a:fld id="{846CE7D5-CF57-46EF-B807-FDD0502418D4}" type="datetimeFigureOut">
               <a:rPr lang="en-US" smtClean="0"/>
-              <a:t>1/28/2025</a:t>
+              <a:t>2/23/2025</a:t>
             </a:fld>
             <a:endParaRPr lang="en-US"/>
           </a:p>
@@ -2107,7 +2122,7 @@
           <a:p>
             <a:fld id="{846CE7D5-CF57-46EF-B807-FDD0502418D4}" type="datetimeFigureOut">
               <a:rPr lang="en-US" smtClean="0"/>
-              <a:t>1/28/2025</a:t>
+              <a:t>2/23/2025</a:t>
             </a:fld>
             <a:endParaRPr lang="en-US"/>
           </a:p>
@@ -2362,7 +2377,7 @@
           <a:p>
             <a:fld id="{846CE7D5-CF57-46EF-B807-FDD0502418D4}" type="datetimeFigureOut">
               <a:rPr lang="en-US" smtClean="0"/>
-              <a:t>1/28/2025</a:t>
+              <a:t>2/23/2025</a:t>
             </a:fld>
             <a:endParaRPr lang="en-US"/>
           </a:p>
@@ -2573,7 +2588,7 @@
           <a:p>
             <a:fld id="{846CE7D5-CF57-46EF-B807-FDD0502418D4}" type="datetimeFigureOut">
               <a:rPr lang="en-US" smtClean="0"/>
-              <a:t>1/28/2025</a:t>
+              <a:t>2/23/2025</a:t>
             </a:fld>
             <a:endParaRPr lang="en-US"/>
           </a:p>
@@ -3508,10 +3523,10 @@
       </p:grpSpPr>
       <p:sp>
         <p:nvSpPr>
-          <p:cNvPr id="5" name="Title 1">
+          <p:cNvPr id="3" name="Title 1">
             <a:extLst>
               <a:ext uri="{FF2B5EF4-FFF2-40B4-BE49-F238E27FC236}">
-                <a16:creationId xmlns:a16="http://schemas.microsoft.com/office/drawing/2014/main" id="{87327AB0-DF77-AEEB-7A65-5FB2E8E0DF49}"/>
+                <a16:creationId xmlns:a16="http://schemas.microsoft.com/office/drawing/2014/main" id="{0801B3B3-4910-DDE3-08B4-55BE0EF30D1E}"/>
               </a:ext>
             </a:extLst>
           </p:cNvPr>
@@ -3522,8 +3537,8 @@
         </p:nvSpPr>
         <p:spPr>
           <a:xfrm>
-            <a:off x="1995037" y="2238938"/>
-            <a:ext cx="9144000" cy="2387600"/>
+            <a:off x="1037402" y="739108"/>
+            <a:ext cx="10116000" cy="5378094"/>
           </a:xfrm>
           <a:prstGeom prst="rect">
             <a:avLst/>
@@ -3531,7 +3546,7 @@
         </p:spPr>
         <p:txBody>
           <a:bodyPr vert="horz" lIns="91440" tIns="45720" rIns="91440" bIns="45720" rtlCol="0" anchor="ctr">
-            <a:normAutofit/>
+            <a:normAutofit fontScale="92500" lnSpcReduction="10000"/>
           </a:bodyPr>
           <a:lstStyle>
             <a:lvl1pPr algn="l" defTabSz="914400" rtl="0" eaLnBrk="1" latinLnBrk="0" hangingPunct="1">
@@ -3555,21 +3570,45 @@
           <a:p>
             <a:r>
               <a:rPr lang="en-US"/>
-              <a:t>What is land cover? And why is it so </a:t>
-            </a:r>
-          </a:p>
-          <a:p>
-            <a:r>
-              <a:rPr lang="en-US"/>
-              <a:t>Important? What can and can't you say from it?</a:t>
-            </a:r>
+              <a:t>Roles for each of you in group: </a:t>
+            </a:r>
+          </a:p>
+          <a:p>
+            <a:endParaRPr lang="en-US"/>
+          </a:p>
+          <a:p>
+            <a:r>
+              <a:rPr lang="en-US"/>
+              <a:t>Partner 1:Explain what a CNN is and how it works</a:t>
+            </a:r>
+          </a:p>
+          <a:p>
+            <a:endParaRPr lang="en-US"/>
+          </a:p>
+          <a:p>
+            <a:r>
+              <a:rPr lang="en-US"/>
+              <a:t>Partner 2: Explain the difference between image classification and segmentation </a:t>
+            </a:r>
+          </a:p>
+          <a:p>
+            <a:endParaRPr lang="en-US"/>
+          </a:p>
+          <a:p>
+            <a:r>
+              <a:rPr lang="en-US"/>
+              <a:t>Partner 1 or 2: Explain what a residual connection is and why it is important</a:t>
+            </a:r>
+          </a:p>
+          <a:p>
+            <a:endParaRPr lang="en-US"/>
           </a:p>
         </p:txBody>
       </p:sp>
     </p:spTree>
     <p:extLst>
       <p:ext uri="{BB962C8B-B14F-4D97-AF65-F5344CB8AC3E}">
-        <p14:creationId xmlns:p14="http://schemas.microsoft.com/office/powerpoint/2010/main" val="2664997351"/>
+        <p14:creationId xmlns:p14="http://schemas.microsoft.com/office/powerpoint/2010/main" val="1511417392"/>
       </p:ext>
     </p:extLst>
   </p:cSld>
@@ -3598,10 +3637,10 @@
       </p:grpSpPr>
       <p:sp>
         <p:nvSpPr>
-          <p:cNvPr id="3" name="Title 1">
+          <p:cNvPr id="5" name="Title 1">
             <a:extLst>
               <a:ext uri="{FF2B5EF4-FFF2-40B4-BE49-F238E27FC236}">
-                <a16:creationId xmlns:a16="http://schemas.microsoft.com/office/drawing/2014/main" id="{0801B3B3-4910-DDE3-08B4-55BE0EF30D1E}"/>
+                <a16:creationId xmlns:a16="http://schemas.microsoft.com/office/drawing/2014/main" id="{87327AB0-DF77-AEEB-7A65-5FB2E8E0DF49}"/>
               </a:ext>
             </a:extLst>
           </p:cNvPr>
@@ -3612,8 +3651,8 @@
         </p:nvSpPr>
         <p:spPr>
           <a:xfrm>
-            <a:off x="1037402" y="739108"/>
-            <a:ext cx="10116000" cy="5378094"/>
+            <a:off x="1797530" y="2143940"/>
+            <a:ext cx="9144000" cy="2387600"/>
           </a:xfrm>
           <a:prstGeom prst="rect">
             <a:avLst/>
@@ -3621,7 +3660,7 @@
         </p:spPr>
         <p:txBody>
           <a:bodyPr vert="horz" lIns="91440" tIns="45720" rIns="91440" bIns="45720" rtlCol="0" anchor="ctr">
-            <a:normAutofit fontScale="92500" lnSpcReduction="10000"/>
+            <a:normAutofit fontScale="55000" lnSpcReduction="20000"/>
           </a:bodyPr>
           <a:lstStyle>
             <a:lvl1pPr algn="l" defTabSz="914400" rtl="0" eaLnBrk="1" latinLnBrk="0" hangingPunct="1">
@@ -3645,7 +3684,7 @@
           <a:p>
             <a:r>
               <a:rPr lang="en-US"/>
-              <a:t>Roles for each of you in group: </a:t>
+              <a:t>Design a composite loss function to detect* something using a CNN that no-one (to your knowledge has detected before in this way)</a:t>
             </a:r>
           </a:p>
           <a:p>
@@ -3654,7 +3693,13 @@
           <a:p>
             <a:r>
               <a:rPr lang="en-US"/>
-              <a:t>Partner 1:Explain what a CNN is and how it works</a:t>
+              <a:t>(objective: conceptual, </a:t>
+            </a:r>
+          </a:p>
+          <a:p>
+            <a:r>
+              <a:rPr lang="en-US"/>
+              <a:t>but bonus: write out the function and make sure it is differentiable!)</a:t>
             </a:r>
           </a:p>
           <a:p>
@@ -3662,28 +3707,16 @@
           </a:p>
           <a:p>
             <a:r>
-              <a:rPr lang="en-US"/>
-              <a:t>Partner 2: Explain the difference between image classification and segmentation </a:t>
-            </a:r>
-          </a:p>
-          <a:p>
-            <a:endParaRPr lang="en-US"/>
-          </a:p>
-          <a:p>
-            <a:r>
-              <a:rPr lang="en-US"/>
-              <a:t>Partner 1 or 2: Explain what a residual connection is and why it is important</a:t>
-            </a:r>
-          </a:p>
-          <a:p>
-            <a:endParaRPr lang="en-US"/>
+              <a:rPr lang="en-US" sz="3300"/>
+              <a:t>*or do something else</a:t>
+            </a:r>
           </a:p>
         </p:txBody>
       </p:sp>
     </p:spTree>
     <p:extLst>
       <p:ext uri="{BB962C8B-B14F-4D97-AF65-F5344CB8AC3E}">
-        <p14:creationId xmlns:p14="http://schemas.microsoft.com/office/powerpoint/2010/main" val="1511417392"/>
+        <p14:creationId xmlns:p14="http://schemas.microsoft.com/office/powerpoint/2010/main" val="2651258599"/>
       </p:ext>
     </p:extLst>
   </p:cSld>
@@ -3715,7 +3748,7 @@
           <p:cNvPr id="5" name="Title 1">
             <a:extLst>
               <a:ext uri="{FF2B5EF4-FFF2-40B4-BE49-F238E27FC236}">
-                <a16:creationId xmlns:a16="http://schemas.microsoft.com/office/drawing/2014/main" id="{87327AB0-DF77-AEEB-7A65-5FB2E8E0DF49}"/>
+                <a16:creationId xmlns:a16="http://schemas.microsoft.com/office/drawing/2014/main" id="{E51970AF-CB8D-A271-E3DE-0DC202AA55AB}"/>
               </a:ext>
             </a:extLst>
           </p:cNvPr>
@@ -3726,7 +3759,7 @@
         </p:nvSpPr>
         <p:spPr>
           <a:xfrm>
-            <a:off x="1797530" y="2143940"/>
+            <a:off x="1635261" y="2235512"/>
             <a:ext cx="9144000" cy="2387600"/>
           </a:xfrm>
           <a:prstGeom prst="rect">
@@ -3735,7 +3768,7 @@
         </p:spPr>
         <p:txBody>
           <a:bodyPr vert="horz" lIns="91440" tIns="45720" rIns="91440" bIns="45720" rtlCol="0" anchor="ctr">
-            <a:normAutofit fontScale="55000" lnSpcReduction="20000"/>
+            <a:normAutofit/>
           </a:bodyPr>
           <a:lstStyle>
             <a:lvl1pPr algn="l" defTabSz="914400" rtl="0" eaLnBrk="1" latinLnBrk="0" hangingPunct="1">
@@ -3758,32 +3791,8 @@
           </a:lstStyle>
           <a:p>
             <a:r>
-              <a:rPr lang="en-US"/>
-              <a:t>Design a composite loss function to detect* something using a CNN that no-one (to your knowledge has detected before in this way)</a:t>
-            </a:r>
-          </a:p>
-          <a:p>
-            <a:endParaRPr lang="en-US"/>
-          </a:p>
-          <a:p>
-            <a:r>
-              <a:rPr lang="en-US"/>
-              <a:t>(objective: conceptual, </a:t>
-            </a:r>
-          </a:p>
-          <a:p>
-            <a:r>
-              <a:rPr lang="en-US"/>
-              <a:t>but bonus: write out the function and make sure it is differentiable!)</a:t>
-            </a:r>
-          </a:p>
-          <a:p>
-            <a:endParaRPr lang="en-US"/>
-          </a:p>
-          <a:p>
-            <a:r>
-              <a:rPr lang="en-US" sz="3300"/>
-              <a:t>*or do something else</a:t>
+              <a:rPr lang="en-US" dirty="0"/>
+              <a:t>Week 4: Climate Modeling &amp; Autoencoders</a:t>
             </a:r>
           </a:p>
         </p:txBody>
@@ -3791,7 +3800,7 @@
     </p:spTree>
     <p:extLst>
       <p:ext uri="{BB962C8B-B14F-4D97-AF65-F5344CB8AC3E}">
-        <p14:creationId xmlns:p14="http://schemas.microsoft.com/office/powerpoint/2010/main" val="2651258599"/>
+        <p14:creationId xmlns:p14="http://schemas.microsoft.com/office/powerpoint/2010/main" val="3163018498"/>
       </p:ext>
     </p:extLst>
   </p:cSld>
@@ -3823,7 +3832,7 @@
           <p:cNvPr id="5" name="Title 1">
             <a:extLst>
               <a:ext uri="{FF2B5EF4-FFF2-40B4-BE49-F238E27FC236}">
-                <a16:creationId xmlns:a16="http://schemas.microsoft.com/office/drawing/2014/main" id="{E51970AF-CB8D-A271-E3DE-0DC202AA55AB}"/>
+                <a16:creationId xmlns:a16="http://schemas.microsoft.com/office/drawing/2014/main" id="{87327AB0-DF77-AEEB-7A65-5FB2E8E0DF49}"/>
               </a:ext>
             </a:extLst>
           </p:cNvPr>
@@ -3834,7 +3843,7 @@
         </p:nvSpPr>
         <p:spPr>
           <a:xfrm>
-            <a:off x="2510852" y="2121707"/>
+            <a:off x="1995037" y="2238938"/>
             <a:ext cx="9144000" cy="2387600"/>
           </a:xfrm>
           <a:prstGeom prst="rect">
@@ -3843,7 +3852,7 @@
         </p:spPr>
         <p:txBody>
           <a:bodyPr vert="horz" lIns="91440" tIns="45720" rIns="91440" bIns="45720" rtlCol="0" anchor="ctr">
-            <a:normAutofit/>
+            <a:normAutofit lnSpcReduction="10000"/>
           </a:bodyPr>
           <a:lstStyle>
             <a:lvl1pPr algn="l" defTabSz="914400" rtl="0" eaLnBrk="1" latinLnBrk="0" hangingPunct="1">
@@ -3866,16 +3875,185 @@
           </a:lstStyle>
           <a:p>
             <a:r>
-              <a:rPr lang="en-US"/>
-              <a:t>Weeks 4-16 on their way :)</a:t>
-            </a:r>
+              <a:rPr lang="en-US" dirty="0"/>
+              <a:t>P1: What is a climate model and how are they used? </a:t>
+            </a:r>
+            <a:endParaRPr lang="en-US"/>
+          </a:p>
+          <a:p>
+            <a:endParaRPr lang="en-US" dirty="0"/>
+          </a:p>
+          <a:p>
+            <a:r>
+              <a:rPr lang="en-US" dirty="0"/>
+              <a:t>P2: What does SSP2-4.5 mean?</a:t>
+            </a:r>
+            <a:endParaRPr lang="en-US"/>
+          </a:p>
+        </p:txBody>
+      </p:sp>
+      <p:sp>
+        <p:nvSpPr>
+          <p:cNvPr id="2" name="TextBox 1">
+            <a:extLst>
+              <a:ext uri="{FF2B5EF4-FFF2-40B4-BE49-F238E27FC236}">
+                <a16:creationId xmlns:a16="http://schemas.microsoft.com/office/drawing/2014/main" id="{9C0810C5-E470-2348-8EB3-9ADE25587707}"/>
+              </a:ext>
+            </a:extLst>
+          </p:cNvPr>
+          <p:cNvSpPr txBox="1"/>
+          <p:nvPr/>
+        </p:nvSpPr>
+        <p:spPr>
+          <a:xfrm>
+            <a:off x="2136889" y="673191"/>
+            <a:ext cx="4831847" cy="769441"/>
+          </a:xfrm>
+          <a:prstGeom prst="rect">
+            <a:avLst/>
+          </a:prstGeom>
+          <a:noFill/>
+        </p:spPr>
+        <p:txBody>
+          <a:bodyPr rot="0" spcFirstLastPara="0" vertOverflow="overflow" horzOverflow="overflow" vert="horz" wrap="square" lIns="91440" tIns="45720" rIns="91440" bIns="45720" numCol="1" spcCol="0" rtlCol="0" fromWordArt="0" anchor="t" anchorCtr="0" forceAA="0" compatLnSpc="1">
+            <a:prstTxWarp prst="textNoShape">
+              <a:avLst/>
+            </a:prstTxWarp>
+            <a:spAutoFit/>
+          </a:bodyPr>
+          <a:lstStyle/>
+          <a:p>
+            <a:r>
+              <a:rPr lang="en-US" sz="4400" dirty="0">
+                <a:latin typeface="Aptos Display"/>
+              </a:rPr>
+              <a:t>Climate models</a:t>
+            </a:r>
+            <a:endParaRPr lang="en-US" dirty="0"/>
           </a:p>
         </p:txBody>
       </p:sp>
     </p:spTree>
     <p:extLst>
       <p:ext uri="{BB962C8B-B14F-4D97-AF65-F5344CB8AC3E}">
-        <p14:creationId xmlns:p14="http://schemas.microsoft.com/office/powerpoint/2010/main" val="3163018498"/>
+        <p14:creationId xmlns:p14="http://schemas.microsoft.com/office/powerpoint/2010/main" val="2664997351"/>
+      </p:ext>
+    </p:extLst>
+  </p:cSld>
+  <p:clrMapOvr>
+    <a:masterClrMapping/>
+  </p:clrMapOvr>
+</p:sld>
+</file>
+
+<file path=ppt/slides/slide19.xml><?xml version="1.0" encoding="utf-8"?>
+<p:sld xmlns:a="http://schemas.openxmlformats.org/drawingml/2006/main" xmlns:r="http://schemas.openxmlformats.org/officeDocument/2006/relationships" xmlns:p="http://schemas.openxmlformats.org/presentationml/2006/main">
+  <p:cSld>
+    <p:spTree>
+      <p:nvGrpSpPr>
+        <p:cNvPr id="1" name="">
+          <a:extLst>
+            <a:ext uri="{FF2B5EF4-FFF2-40B4-BE49-F238E27FC236}">
+              <a16:creationId xmlns:a16="http://schemas.microsoft.com/office/drawing/2014/main" id="{DAB8161F-098F-F30E-BDF3-3D73726FDBF0}"/>
+            </a:ext>
+          </a:extLst>
+        </p:cNvPr>
+        <p:cNvGrpSpPr/>
+        <p:nvPr/>
+      </p:nvGrpSpPr>
+      <p:grpSpPr>
+        <a:xfrm>
+          <a:off x="0" y="0"/>
+          <a:ext cx="0" cy="0"/>
+          <a:chOff x="0" y="0"/>
+          <a:chExt cx="0" cy="0"/>
+        </a:xfrm>
+      </p:grpSpPr>
+      <p:sp>
+        <p:nvSpPr>
+          <p:cNvPr id="3" name="Title 1">
+            <a:extLst>
+              <a:ext uri="{FF2B5EF4-FFF2-40B4-BE49-F238E27FC236}">
+                <a16:creationId xmlns:a16="http://schemas.microsoft.com/office/drawing/2014/main" id="{2158D6FF-E964-2013-CB91-7E5853733483}"/>
+              </a:ext>
+            </a:extLst>
+          </p:cNvPr>
+          <p:cNvSpPr txBox="1">
+            <a:spLocks/>
+          </p:cNvSpPr>
+          <p:nvPr/>
+        </p:nvSpPr>
+        <p:spPr>
+          <a:xfrm>
+            <a:off x="1037402" y="739108"/>
+            <a:ext cx="10116000" cy="5378094"/>
+          </a:xfrm>
+          <a:prstGeom prst="rect">
+            <a:avLst/>
+          </a:prstGeom>
+        </p:spPr>
+        <p:txBody>
+          <a:bodyPr vert="horz" lIns="91440" tIns="45720" rIns="91440" bIns="45720" rtlCol="0" anchor="ctr">
+            <a:normAutofit lnSpcReduction="10000"/>
+          </a:bodyPr>
+          <a:lstStyle>
+            <a:lvl1pPr algn="l" defTabSz="914400" rtl="0" eaLnBrk="1" latinLnBrk="0" hangingPunct="1">
+              <a:lnSpc>
+                <a:spcPct val="90000"/>
+              </a:lnSpc>
+              <a:spcBef>
+                <a:spcPct val="0"/>
+              </a:spcBef>
+              <a:buNone/>
+              <a:defRPr sz="4400" kern="1200">
+                <a:solidFill>
+                  <a:schemeClr val="tx1"/>
+                </a:solidFill>
+                <a:latin typeface="+mj-lt"/>
+                <a:ea typeface="+mj-ea"/>
+                <a:cs typeface="+mj-cs"/>
+              </a:defRPr>
+            </a:lvl1pPr>
+          </a:lstStyle>
+          <a:p>
+            <a:r>
+              <a:rPr lang="en-US" dirty="0"/>
+              <a:t>CF </a:t>
+            </a:r>
+          </a:p>
+          <a:p>
+            <a:endParaRPr lang="en-US"/>
+          </a:p>
+          <a:p>
+            <a:r>
+              <a:rPr lang="en-US" dirty="0"/>
+              <a:t>Partner 1:Explain what an embedding is</a:t>
+            </a:r>
+          </a:p>
+          <a:p>
+            <a:endParaRPr lang="en-US" dirty="0"/>
+          </a:p>
+          <a:p>
+            <a:r>
+              <a:rPr lang="en-US" dirty="0"/>
+              <a:t>Partner 2: Explain how collaborative filtering works </a:t>
+            </a:r>
+          </a:p>
+          <a:p>
+            <a:endParaRPr lang="en-US"/>
+          </a:p>
+          <a:p>
+            <a:r>
+              <a:rPr lang="en-US" dirty="0"/>
+              <a:t>Together: come up with a novel use of CF for a SDG goal</a:t>
+            </a:r>
+          </a:p>
+        </p:txBody>
+      </p:sp>
+    </p:spTree>
+    <p:extLst>
+      <p:ext uri="{BB962C8B-B14F-4D97-AF65-F5344CB8AC3E}">
+        <p14:creationId xmlns:p14="http://schemas.microsoft.com/office/powerpoint/2010/main" val="2250164240"/>
       </p:ext>
     </p:extLst>
   </p:cSld>
@@ -3948,6 +4126,1236 @@
 </p:sld>
 </file>
 
+<file path=ppt/slides/slide20.xml><?xml version="1.0" encoding="utf-8"?>
+<p:sld xmlns:a="http://schemas.openxmlformats.org/drawingml/2006/main" xmlns:r="http://schemas.openxmlformats.org/officeDocument/2006/relationships" xmlns:p="http://schemas.openxmlformats.org/presentationml/2006/main">
+  <p:cSld>
+    <p:spTree>
+      <p:nvGrpSpPr>
+        <p:cNvPr id="1" name=""/>
+        <p:cNvGrpSpPr/>
+        <p:nvPr/>
+      </p:nvGrpSpPr>
+      <p:grpSpPr>
+        <a:xfrm>
+          <a:off x="0" y="0"/>
+          <a:ext cx="0" cy="0"/>
+          <a:chOff x="0" y="0"/>
+          <a:chExt cx="0" cy="0"/>
+        </a:xfrm>
+      </p:grpSpPr>
+      <p:sp>
+        <p:nvSpPr>
+          <p:cNvPr id="2" name="Title 1">
+            <a:extLst>
+              <a:ext uri="{FF2B5EF4-FFF2-40B4-BE49-F238E27FC236}">
+                <a16:creationId xmlns:a16="http://schemas.microsoft.com/office/drawing/2014/main" id="{B843FE3C-2E54-91EE-9986-BDE04156A099}"/>
+              </a:ext>
+            </a:extLst>
+          </p:cNvPr>
+          <p:cNvSpPr>
+            <a:spLocks noGrp="1"/>
+          </p:cNvSpPr>
+          <p:nvPr>
+            <p:ph type="title"/>
+          </p:nvPr>
+        </p:nvSpPr>
+        <p:spPr/>
+        <p:txBody>
+          <a:bodyPr/>
+          <a:lstStyle/>
+          <a:p>
+            <a:r>
+              <a:rPr lang="en-US" dirty="0"/>
+              <a:t>Auto-encoders</a:t>
+            </a:r>
+          </a:p>
+        </p:txBody>
+      </p:sp>
+      <p:sp>
+        <p:nvSpPr>
+          <p:cNvPr id="5" name="Title 1">
+            <a:extLst>
+              <a:ext uri="{FF2B5EF4-FFF2-40B4-BE49-F238E27FC236}">
+                <a16:creationId xmlns:a16="http://schemas.microsoft.com/office/drawing/2014/main" id="{BA401EAB-0CD8-4F8D-3BD8-ABB6D7E457C0}"/>
+              </a:ext>
+            </a:extLst>
+          </p:cNvPr>
+          <p:cNvSpPr txBox="1">
+            <a:spLocks/>
+          </p:cNvSpPr>
+          <p:nvPr/>
+        </p:nvSpPr>
+        <p:spPr>
+          <a:xfrm>
+            <a:off x="840049" y="739108"/>
+            <a:ext cx="10116000" cy="5378094"/>
+          </a:xfrm>
+          <a:prstGeom prst="rect">
+            <a:avLst/>
+          </a:prstGeom>
+        </p:spPr>
+        <p:txBody>
+          <a:bodyPr vert="horz" lIns="91440" tIns="45720" rIns="91440" bIns="45720" rtlCol="0" anchor="ctr">
+            <a:normAutofit fontScale="92500" lnSpcReduction="20000"/>
+          </a:bodyPr>
+          <a:lstStyle>
+            <a:lvl1pPr algn="l" defTabSz="914400" rtl="0" eaLnBrk="1" latinLnBrk="0" hangingPunct="1">
+              <a:lnSpc>
+                <a:spcPct val="90000"/>
+              </a:lnSpc>
+              <a:spcBef>
+                <a:spcPct val="0"/>
+              </a:spcBef>
+              <a:buNone/>
+              <a:defRPr sz="4400" kern="1200">
+                <a:solidFill>
+                  <a:schemeClr val="tx1"/>
+                </a:solidFill>
+                <a:latin typeface="+mj-lt"/>
+                <a:ea typeface="+mj-ea"/>
+                <a:cs typeface="+mj-cs"/>
+              </a:defRPr>
+            </a:lvl1pPr>
+          </a:lstStyle>
+          <a:p>
+            <a:r>
+              <a:rPr lang="en-US" dirty="0"/>
+              <a:t> </a:t>
+            </a:r>
+          </a:p>
+          <a:p>
+            <a:endParaRPr lang="en-US"/>
+          </a:p>
+          <a:p>
+            <a:r>
+              <a:rPr lang="en-US" dirty="0"/>
+              <a:t>Partner 1:Explain what an autoencoder is </a:t>
+            </a:r>
+            <a:r>
+              <a:rPr lang="en-US" dirty="0" err="1"/>
+              <a:t>nd</a:t>
+            </a:r>
+            <a:r>
+              <a:rPr lang="en-US" dirty="0"/>
+              <a:t> how it works.</a:t>
+            </a:r>
+          </a:p>
+          <a:p>
+            <a:endParaRPr lang="en-US" dirty="0"/>
+          </a:p>
+          <a:p>
+            <a:r>
+              <a:rPr lang="en-US" dirty="0"/>
+              <a:t>Partner 2: Detail the potential issues and ways to tackle them</a:t>
+            </a:r>
+          </a:p>
+          <a:p>
+            <a:endParaRPr lang="en-US" dirty="0"/>
+          </a:p>
+          <a:p>
+            <a:r>
+              <a:rPr lang="en-US" dirty="0"/>
+              <a:t>Partner 3: How would you extract the embeddings or play with their length in the design?</a:t>
+            </a:r>
+          </a:p>
+          <a:p>
+            <a:endParaRPr lang="en-US" dirty="0"/>
+          </a:p>
+        </p:txBody>
+      </p:sp>
+    </p:spTree>
+    <p:extLst>
+      <p:ext uri="{BB962C8B-B14F-4D97-AF65-F5344CB8AC3E}">
+        <p14:creationId xmlns:p14="http://schemas.microsoft.com/office/powerpoint/2010/main" val="4055746869"/>
+      </p:ext>
+    </p:extLst>
+  </p:cSld>
+  <p:clrMapOvr>
+    <a:masterClrMapping/>
+  </p:clrMapOvr>
+</p:sld>
+</file>
+
+<file path=ppt/slides/slide21.xml><?xml version="1.0" encoding="utf-8"?>
+<p:sld xmlns:a="http://schemas.openxmlformats.org/drawingml/2006/main" xmlns:r="http://schemas.openxmlformats.org/officeDocument/2006/relationships" xmlns:p="http://schemas.openxmlformats.org/presentationml/2006/main">
+  <p:cSld>
+    <p:spTree>
+      <p:nvGrpSpPr>
+        <p:cNvPr id="1" name="">
+          <a:extLst>
+            <a:ext uri="{FF2B5EF4-FFF2-40B4-BE49-F238E27FC236}">
+              <a16:creationId xmlns:a16="http://schemas.microsoft.com/office/drawing/2014/main" id="{E90CDEBA-E125-7B39-4F05-6FBA3F11A6F6}"/>
+            </a:ext>
+          </a:extLst>
+        </p:cNvPr>
+        <p:cNvGrpSpPr/>
+        <p:nvPr/>
+      </p:nvGrpSpPr>
+      <p:grpSpPr>
+        <a:xfrm>
+          <a:off x="0" y="0"/>
+          <a:ext cx="0" cy="0"/>
+          <a:chOff x="0" y="0"/>
+          <a:chExt cx="0" cy="0"/>
+        </a:xfrm>
+      </p:grpSpPr>
+      <p:sp>
+        <p:nvSpPr>
+          <p:cNvPr id="5" name="Title 1">
+            <a:extLst>
+              <a:ext uri="{FF2B5EF4-FFF2-40B4-BE49-F238E27FC236}">
+                <a16:creationId xmlns:a16="http://schemas.microsoft.com/office/drawing/2014/main" id="{BBBEEEE3-24E2-C898-C8EF-198D6F83201E}"/>
+              </a:ext>
+            </a:extLst>
+          </p:cNvPr>
+          <p:cNvSpPr txBox="1">
+            <a:spLocks/>
+          </p:cNvSpPr>
+          <p:nvPr/>
+        </p:nvSpPr>
+        <p:spPr>
+          <a:xfrm>
+            <a:off x="1639995" y="2156343"/>
+            <a:ext cx="9144000" cy="2387600"/>
+          </a:xfrm>
+          <a:prstGeom prst="rect">
+            <a:avLst/>
+          </a:prstGeom>
+        </p:spPr>
+        <p:txBody>
+          <a:bodyPr vert="horz" lIns="91440" tIns="45720" rIns="91440" bIns="45720" rtlCol="0" anchor="ctr">
+            <a:normAutofit/>
+          </a:bodyPr>
+          <a:lstStyle>
+            <a:lvl1pPr algn="l" defTabSz="914400" rtl="0" eaLnBrk="1" latinLnBrk="0" hangingPunct="1">
+              <a:lnSpc>
+                <a:spcPct val="90000"/>
+              </a:lnSpc>
+              <a:spcBef>
+                <a:spcPct val="0"/>
+              </a:spcBef>
+              <a:buNone/>
+              <a:defRPr sz="4400" kern="1200">
+                <a:solidFill>
+                  <a:schemeClr val="tx1"/>
+                </a:solidFill>
+                <a:latin typeface="+mj-lt"/>
+                <a:ea typeface="+mj-ea"/>
+                <a:cs typeface="+mj-cs"/>
+              </a:defRPr>
+            </a:lvl1pPr>
+          </a:lstStyle>
+          <a:p>
+            <a:r>
+              <a:rPr lang="en-US" dirty="0"/>
+              <a:t>Week 5: Wealth Mapping &amp; Foundation Models</a:t>
+            </a:r>
+          </a:p>
+        </p:txBody>
+      </p:sp>
+    </p:spTree>
+    <p:extLst>
+      <p:ext uri="{BB962C8B-B14F-4D97-AF65-F5344CB8AC3E}">
+        <p14:creationId xmlns:p14="http://schemas.microsoft.com/office/powerpoint/2010/main" val="1196818519"/>
+      </p:ext>
+    </p:extLst>
+  </p:cSld>
+  <p:clrMapOvr>
+    <a:masterClrMapping/>
+  </p:clrMapOvr>
+</p:sld>
+</file>
+
+<file path=ppt/slides/slide22.xml><?xml version="1.0" encoding="utf-8"?>
+<p:sld xmlns:a="http://schemas.openxmlformats.org/drawingml/2006/main" xmlns:r="http://schemas.openxmlformats.org/officeDocument/2006/relationships" xmlns:p="http://schemas.openxmlformats.org/presentationml/2006/main">
+  <p:cSld>
+    <p:spTree>
+      <p:nvGrpSpPr>
+        <p:cNvPr id="1" name=""/>
+        <p:cNvGrpSpPr/>
+        <p:nvPr/>
+      </p:nvGrpSpPr>
+      <p:grpSpPr>
+        <a:xfrm>
+          <a:off x="0" y="0"/>
+          <a:ext cx="0" cy="0"/>
+          <a:chOff x="0" y="0"/>
+          <a:chExt cx="0" cy="0"/>
+        </a:xfrm>
+      </p:grpSpPr>
+      <p:sp>
+        <p:nvSpPr>
+          <p:cNvPr id="2" name="Title 1">
+            <a:extLst>
+              <a:ext uri="{FF2B5EF4-FFF2-40B4-BE49-F238E27FC236}">
+                <a16:creationId xmlns:a16="http://schemas.microsoft.com/office/drawing/2014/main" id="{C16137C8-62F3-F120-E524-DD5466652E93}"/>
+              </a:ext>
+            </a:extLst>
+          </p:cNvPr>
+          <p:cNvSpPr>
+            <a:spLocks noGrp="1"/>
+          </p:cNvSpPr>
+          <p:nvPr>
+            <p:ph type="title"/>
+          </p:nvPr>
+        </p:nvSpPr>
+        <p:spPr/>
+        <p:txBody>
+          <a:bodyPr/>
+          <a:lstStyle/>
+          <a:p>
+            <a:r>
+              <a:rPr lang="en-US" dirty="0"/>
+              <a:t>Video Highlights</a:t>
+            </a:r>
+          </a:p>
+        </p:txBody>
+      </p:sp>
+      <p:sp>
+        <p:nvSpPr>
+          <p:cNvPr id="3" name="Content Placeholder 2">
+            <a:extLst>
+              <a:ext uri="{FF2B5EF4-FFF2-40B4-BE49-F238E27FC236}">
+                <a16:creationId xmlns:a16="http://schemas.microsoft.com/office/drawing/2014/main" id="{6FEABC88-8464-160C-5B8D-091A16BB3851}"/>
+              </a:ext>
+            </a:extLst>
+          </p:cNvPr>
+          <p:cNvSpPr>
+            <a:spLocks noGrp="1"/>
+          </p:cNvSpPr>
+          <p:nvPr>
+            <p:ph idx="1"/>
+          </p:nvPr>
+        </p:nvSpPr>
+        <p:spPr/>
+        <p:txBody>
+          <a:bodyPr vert="horz" lIns="91440" tIns="45720" rIns="91440" bIns="45720" rtlCol="0" anchor="t">
+            <a:normAutofit/>
+          </a:bodyPr>
+          <a:lstStyle/>
+          <a:p>
+            <a:r>
+              <a:rPr lang="en-US"/>
+              <a:t>Foundation Models</a:t>
+            </a:r>
+          </a:p>
+          <a:p>
+            <a:pPr lvl="1">
+              <a:buFont typeface="Courier New" panose="020B0604020202020204" pitchFamily="34" charset="0"/>
+              <a:buChar char="o"/>
+            </a:pPr>
+            <a:r>
+              <a:rPr lang="en-US" dirty="0"/>
+              <a:t>Big idea</a:t>
+            </a:r>
+          </a:p>
+          <a:p>
+            <a:pPr lvl="1">
+              <a:buFont typeface="Courier New" panose="020B0604020202020204" pitchFamily="34" charset="0"/>
+              <a:buChar char="o"/>
+            </a:pPr>
+            <a:r>
+              <a:rPr lang="en-US" dirty="0"/>
+              <a:t>MOSAIKS – random convolutional features</a:t>
+            </a:r>
+          </a:p>
+          <a:p>
+            <a:pPr lvl="1">
+              <a:buFont typeface="Courier New" panose="020B0604020202020204" pitchFamily="34" charset="0"/>
+              <a:buChar char="o"/>
+            </a:pPr>
+            <a:r>
+              <a:rPr lang="en-US" dirty="0"/>
+              <a:t>Clay – masked autoencoder</a:t>
+            </a:r>
+          </a:p>
+          <a:p>
+            <a:pPr lvl="1">
+              <a:buFont typeface="Courier New" panose="020B0604020202020204" pitchFamily="34" charset="0"/>
+              <a:buChar char="o"/>
+            </a:pPr>
+            <a:r>
+              <a:rPr lang="en-US" dirty="0" err="1"/>
+              <a:t>SatCLIP</a:t>
+            </a:r>
+            <a:r>
+              <a:rPr lang="en-US" dirty="0"/>
+              <a:t> – contrastive pre-training</a:t>
+            </a:r>
+          </a:p>
+          <a:p>
+            <a:pPr lvl="1">
+              <a:buFont typeface="Courier New" panose="020B0604020202020204" pitchFamily="34" charset="0"/>
+              <a:buChar char="o"/>
+            </a:pPr>
+            <a:endParaRPr lang="en-US" dirty="0"/>
+          </a:p>
+          <a:p>
+            <a:r>
+              <a:rPr lang="en-US" dirty="0"/>
+              <a:t>Wealth &amp; Poverty Mapping</a:t>
+            </a:r>
+          </a:p>
+        </p:txBody>
+      </p:sp>
+    </p:spTree>
+    <p:extLst>
+      <p:ext uri="{BB962C8B-B14F-4D97-AF65-F5344CB8AC3E}">
+        <p14:creationId xmlns:p14="http://schemas.microsoft.com/office/powerpoint/2010/main" val="1518885644"/>
+      </p:ext>
+    </p:extLst>
+  </p:cSld>
+  <p:clrMapOvr>
+    <a:masterClrMapping/>
+  </p:clrMapOvr>
+</p:sld>
+</file>
+
+<file path=ppt/slides/slide23.xml><?xml version="1.0" encoding="utf-8"?>
+<p:sld xmlns:a="http://schemas.openxmlformats.org/drawingml/2006/main" xmlns:r="http://schemas.openxmlformats.org/officeDocument/2006/relationships" xmlns:p="http://schemas.openxmlformats.org/presentationml/2006/main">
+  <p:cSld>
+    <p:spTree>
+      <p:nvGrpSpPr>
+        <p:cNvPr id="1" name="">
+          <a:extLst>
+            <a:ext uri="{FF2B5EF4-FFF2-40B4-BE49-F238E27FC236}">
+              <a16:creationId xmlns:a16="http://schemas.microsoft.com/office/drawing/2014/main" id="{6C1FF736-2B45-146A-E7DE-BE338CFACEF0}"/>
+            </a:ext>
+          </a:extLst>
+        </p:cNvPr>
+        <p:cNvGrpSpPr/>
+        <p:nvPr/>
+      </p:nvGrpSpPr>
+      <p:grpSpPr>
+        <a:xfrm>
+          <a:off x="0" y="0"/>
+          <a:ext cx="0" cy="0"/>
+          <a:chOff x="0" y="0"/>
+          <a:chExt cx="0" cy="0"/>
+        </a:xfrm>
+      </p:grpSpPr>
+      <p:sp>
+        <p:nvSpPr>
+          <p:cNvPr id="5" name="Title 1">
+            <a:extLst>
+              <a:ext uri="{FF2B5EF4-FFF2-40B4-BE49-F238E27FC236}">
+                <a16:creationId xmlns:a16="http://schemas.microsoft.com/office/drawing/2014/main" id="{F35B7EE2-79D7-614C-E950-CAEBB7211F40}"/>
+              </a:ext>
+            </a:extLst>
+          </p:cNvPr>
+          <p:cNvSpPr txBox="1">
+            <a:spLocks/>
+          </p:cNvSpPr>
+          <p:nvPr/>
+        </p:nvSpPr>
+        <p:spPr>
+          <a:xfrm>
+            <a:off x="1995037" y="2238938"/>
+            <a:ext cx="9144000" cy="4213431"/>
+          </a:xfrm>
+          <a:prstGeom prst="rect">
+            <a:avLst/>
+          </a:prstGeom>
+        </p:spPr>
+        <p:txBody>
+          <a:bodyPr vert="horz" lIns="91440" tIns="45720" rIns="91440" bIns="45720" rtlCol="0" anchor="ctr">
+            <a:normAutofit fontScale="92500" lnSpcReduction="10000"/>
+          </a:bodyPr>
+          <a:lstStyle>
+            <a:lvl1pPr algn="l" defTabSz="914400" rtl="0" eaLnBrk="1" latinLnBrk="0" hangingPunct="1">
+              <a:lnSpc>
+                <a:spcPct val="90000"/>
+              </a:lnSpc>
+              <a:spcBef>
+                <a:spcPct val="0"/>
+              </a:spcBef>
+              <a:buNone/>
+              <a:defRPr sz="4400" kern="1200">
+                <a:solidFill>
+                  <a:schemeClr val="tx1"/>
+                </a:solidFill>
+                <a:latin typeface="+mj-lt"/>
+                <a:ea typeface="+mj-ea"/>
+                <a:cs typeface="+mj-cs"/>
+              </a:defRPr>
+            </a:lvl1pPr>
+          </a:lstStyle>
+          <a:p>
+            <a:r>
+              <a:rPr lang="en-US" dirty="0"/>
+              <a:t>P1: What is a foundation model? </a:t>
+            </a:r>
+            <a:endParaRPr lang="en-US"/>
+          </a:p>
+          <a:p>
+            <a:endParaRPr lang="en-US" dirty="0"/>
+          </a:p>
+          <a:p>
+            <a:r>
+              <a:rPr lang="en-US" dirty="0"/>
+              <a:t>P2: What makes a foundation model "geo"?</a:t>
+            </a:r>
+          </a:p>
+          <a:p>
+            <a:endParaRPr lang="en-US" dirty="0"/>
+          </a:p>
+          <a:p>
+            <a:r>
+              <a:rPr lang="en-US" dirty="0"/>
+              <a:t>P3: What collection of downstream tasks might geo foundation models be used for? Which is your favorite?</a:t>
+            </a:r>
+          </a:p>
+        </p:txBody>
+      </p:sp>
+      <p:sp>
+        <p:nvSpPr>
+          <p:cNvPr id="2" name="TextBox 1">
+            <a:extLst>
+              <a:ext uri="{FF2B5EF4-FFF2-40B4-BE49-F238E27FC236}">
+                <a16:creationId xmlns:a16="http://schemas.microsoft.com/office/drawing/2014/main" id="{EC6A3B18-0E1C-F212-6204-287DE59CB446}"/>
+              </a:ext>
+            </a:extLst>
+          </p:cNvPr>
+          <p:cNvSpPr txBox="1"/>
+          <p:nvPr/>
+        </p:nvSpPr>
+        <p:spPr>
+          <a:xfrm>
+            <a:off x="2136889" y="673191"/>
+            <a:ext cx="4831847" cy="769441"/>
+          </a:xfrm>
+          <a:prstGeom prst="rect">
+            <a:avLst/>
+          </a:prstGeom>
+          <a:noFill/>
+        </p:spPr>
+        <p:txBody>
+          <a:bodyPr rot="0" spcFirstLastPara="0" vertOverflow="overflow" horzOverflow="overflow" vert="horz" wrap="square" lIns="91440" tIns="45720" rIns="91440" bIns="45720" numCol="1" spcCol="0" rtlCol="0" fromWordArt="0" anchor="t" anchorCtr="0" forceAA="0" compatLnSpc="1">
+            <a:prstTxWarp prst="textNoShape">
+              <a:avLst/>
+            </a:prstTxWarp>
+            <a:spAutoFit/>
+          </a:bodyPr>
+          <a:lstStyle/>
+          <a:p>
+            <a:r>
+              <a:rPr lang="en-US" sz="4400" dirty="0">
+                <a:latin typeface="Aptos Display"/>
+              </a:rPr>
+              <a:t>Foundation models</a:t>
+            </a:r>
+            <a:endParaRPr lang="en-US" dirty="0"/>
+          </a:p>
+        </p:txBody>
+      </p:sp>
+    </p:spTree>
+    <p:extLst>
+      <p:ext uri="{BB962C8B-B14F-4D97-AF65-F5344CB8AC3E}">
+        <p14:creationId xmlns:p14="http://schemas.microsoft.com/office/powerpoint/2010/main" val="1723111133"/>
+      </p:ext>
+    </p:extLst>
+  </p:cSld>
+  <p:clrMapOvr>
+    <a:masterClrMapping/>
+  </p:clrMapOvr>
+</p:sld>
+</file>
+
+<file path=ppt/slides/slide24.xml><?xml version="1.0" encoding="utf-8"?>
+<p:sld xmlns:a="http://schemas.openxmlformats.org/drawingml/2006/main" xmlns:r="http://schemas.openxmlformats.org/officeDocument/2006/relationships" xmlns:p="http://schemas.openxmlformats.org/presentationml/2006/main">
+  <p:cSld>
+    <p:spTree>
+      <p:nvGrpSpPr>
+        <p:cNvPr id="1" name="">
+          <a:extLst>
+            <a:ext uri="{FF2B5EF4-FFF2-40B4-BE49-F238E27FC236}">
+              <a16:creationId xmlns:a16="http://schemas.microsoft.com/office/drawing/2014/main" id="{E1D2054F-5000-7CBB-8CD9-7158E17FAC68}"/>
+            </a:ext>
+          </a:extLst>
+        </p:cNvPr>
+        <p:cNvGrpSpPr/>
+        <p:nvPr/>
+      </p:nvGrpSpPr>
+      <p:grpSpPr>
+        <a:xfrm>
+          <a:off x="0" y="0"/>
+          <a:ext cx="0" cy="0"/>
+          <a:chOff x="0" y="0"/>
+          <a:chExt cx="0" cy="0"/>
+        </a:xfrm>
+      </p:grpSpPr>
+      <p:sp>
+        <p:nvSpPr>
+          <p:cNvPr id="5" name="Title 1">
+            <a:extLst>
+              <a:ext uri="{FF2B5EF4-FFF2-40B4-BE49-F238E27FC236}">
+                <a16:creationId xmlns:a16="http://schemas.microsoft.com/office/drawing/2014/main" id="{BF7DCCBB-A371-C41A-0807-6BDA495CD08E}"/>
+              </a:ext>
+            </a:extLst>
+          </p:cNvPr>
+          <p:cNvSpPr txBox="1">
+            <a:spLocks/>
+          </p:cNvSpPr>
+          <p:nvPr/>
+        </p:nvSpPr>
+        <p:spPr>
+          <a:xfrm>
+            <a:off x="1983037" y="2652938"/>
+            <a:ext cx="9144000" cy="3362366"/>
+          </a:xfrm>
+          <a:prstGeom prst="rect">
+            <a:avLst/>
+          </a:prstGeom>
+        </p:spPr>
+        <p:txBody>
+          <a:bodyPr vert="horz" lIns="91440" tIns="45720" rIns="91440" bIns="45720" rtlCol="0" anchor="ctr">
+            <a:normAutofit fontScale="85000" lnSpcReduction="10000"/>
+          </a:bodyPr>
+          <a:lstStyle>
+            <a:lvl1pPr algn="l" defTabSz="914400" rtl="0" eaLnBrk="1" latinLnBrk="0" hangingPunct="1">
+              <a:lnSpc>
+                <a:spcPct val="90000"/>
+              </a:lnSpc>
+              <a:spcBef>
+                <a:spcPct val="0"/>
+              </a:spcBef>
+              <a:buNone/>
+              <a:defRPr sz="4400" kern="1200">
+                <a:solidFill>
+                  <a:schemeClr val="tx1"/>
+                </a:solidFill>
+                <a:latin typeface="+mj-lt"/>
+                <a:ea typeface="+mj-ea"/>
+                <a:cs typeface="+mj-cs"/>
+              </a:defRPr>
+            </a:lvl1pPr>
+          </a:lstStyle>
+          <a:p>
+            <a:r>
+              <a:rPr lang="en-US" dirty="0"/>
+              <a:t>P1: Explain one satellite foundation model, how it works. </a:t>
+            </a:r>
+          </a:p>
+          <a:p>
+            <a:endParaRPr lang="en-US" dirty="0"/>
+          </a:p>
+          <a:p>
+            <a:r>
+              <a:rPr lang="en-US" dirty="0"/>
+              <a:t>P2: Find another one online that wasn't covered in the video.</a:t>
+            </a:r>
+          </a:p>
+          <a:p>
+            <a:endParaRPr lang="en-US" dirty="0"/>
+          </a:p>
+          <a:p>
+            <a:r>
+              <a:rPr lang="en-US" dirty="0"/>
+              <a:t>P1or2: Why might you use one over the other?</a:t>
+            </a:r>
+          </a:p>
+        </p:txBody>
+      </p:sp>
+      <p:sp>
+        <p:nvSpPr>
+          <p:cNvPr id="2" name="TextBox 1">
+            <a:extLst>
+              <a:ext uri="{FF2B5EF4-FFF2-40B4-BE49-F238E27FC236}">
+                <a16:creationId xmlns:a16="http://schemas.microsoft.com/office/drawing/2014/main" id="{E56D10F4-0EB9-B0BD-2459-18437AA940FC}"/>
+              </a:ext>
+            </a:extLst>
+          </p:cNvPr>
+          <p:cNvSpPr txBox="1"/>
+          <p:nvPr/>
+        </p:nvSpPr>
+        <p:spPr>
+          <a:xfrm>
+            <a:off x="2136889" y="673191"/>
+            <a:ext cx="6097847" cy="769441"/>
+          </a:xfrm>
+          <a:prstGeom prst="rect">
+            <a:avLst/>
+          </a:prstGeom>
+          <a:noFill/>
+        </p:spPr>
+        <p:txBody>
+          <a:bodyPr rot="0" spcFirstLastPara="0" vertOverflow="overflow" horzOverflow="overflow" vert="horz" wrap="square" lIns="91440" tIns="45720" rIns="91440" bIns="45720" numCol="1" spcCol="0" rtlCol="0" fromWordArt="0" anchor="t" anchorCtr="0" forceAA="0" compatLnSpc="1">
+            <a:prstTxWarp prst="textNoShape">
+              <a:avLst/>
+            </a:prstTxWarp>
+            <a:spAutoFit/>
+          </a:bodyPr>
+          <a:lstStyle/>
+          <a:p>
+            <a:r>
+              <a:rPr lang="en-US" sz="4400" dirty="0">
+                <a:latin typeface="Aptos Display"/>
+              </a:rPr>
+              <a:t>Compare and contrast</a:t>
+            </a:r>
+          </a:p>
+        </p:txBody>
+      </p:sp>
+    </p:spTree>
+    <p:extLst>
+      <p:ext uri="{BB962C8B-B14F-4D97-AF65-F5344CB8AC3E}">
+        <p14:creationId xmlns:p14="http://schemas.microsoft.com/office/powerpoint/2010/main" val="2287191334"/>
+      </p:ext>
+    </p:extLst>
+  </p:cSld>
+  <p:clrMapOvr>
+    <a:masterClrMapping/>
+  </p:clrMapOvr>
+</p:sld>
+</file>
+
+<file path=ppt/slides/slide25.xml><?xml version="1.0" encoding="utf-8"?>
+<p:sld xmlns:a="http://schemas.openxmlformats.org/drawingml/2006/main" xmlns:r="http://schemas.openxmlformats.org/officeDocument/2006/relationships" xmlns:p="http://schemas.openxmlformats.org/presentationml/2006/main">
+  <p:cSld>
+    <p:spTree>
+      <p:nvGrpSpPr>
+        <p:cNvPr id="1" name="">
+          <a:extLst>
+            <a:ext uri="{FF2B5EF4-FFF2-40B4-BE49-F238E27FC236}">
+              <a16:creationId xmlns:a16="http://schemas.microsoft.com/office/drawing/2014/main" id="{D407C1EF-0CEB-0B71-2F39-7C442D7B0491}"/>
+            </a:ext>
+          </a:extLst>
+        </p:cNvPr>
+        <p:cNvGrpSpPr/>
+        <p:nvPr/>
+      </p:nvGrpSpPr>
+      <p:grpSpPr>
+        <a:xfrm>
+          <a:off x="0" y="0"/>
+          <a:ext cx="0" cy="0"/>
+          <a:chOff x="0" y="0"/>
+          <a:chExt cx="0" cy="0"/>
+        </a:xfrm>
+      </p:grpSpPr>
+      <p:sp>
+        <p:nvSpPr>
+          <p:cNvPr id="5" name="Title 1">
+            <a:extLst>
+              <a:ext uri="{FF2B5EF4-FFF2-40B4-BE49-F238E27FC236}">
+                <a16:creationId xmlns:a16="http://schemas.microsoft.com/office/drawing/2014/main" id="{96AFEFCC-2909-1B12-9D8E-2BAF5B70776A}"/>
+              </a:ext>
+            </a:extLst>
+          </p:cNvPr>
+          <p:cNvSpPr txBox="1">
+            <a:spLocks/>
+          </p:cNvSpPr>
+          <p:nvPr/>
+        </p:nvSpPr>
+        <p:spPr>
+          <a:xfrm>
+            <a:off x="1983037" y="2652938"/>
+            <a:ext cx="9144000" cy="3751178"/>
+          </a:xfrm>
+          <a:prstGeom prst="rect">
+            <a:avLst/>
+          </a:prstGeom>
+        </p:spPr>
+        <p:txBody>
+          <a:bodyPr vert="horz" lIns="91440" tIns="45720" rIns="91440" bIns="45720" rtlCol="0" anchor="ctr">
+            <a:normAutofit fontScale="85000" lnSpcReduction="20000"/>
+          </a:bodyPr>
+          <a:lstStyle>
+            <a:lvl1pPr algn="l" defTabSz="914400" rtl="0" eaLnBrk="1" latinLnBrk="0" hangingPunct="1">
+              <a:lnSpc>
+                <a:spcPct val="90000"/>
+              </a:lnSpc>
+              <a:spcBef>
+                <a:spcPct val="0"/>
+              </a:spcBef>
+              <a:buNone/>
+              <a:defRPr sz="4400" kern="1200">
+                <a:solidFill>
+                  <a:schemeClr val="tx1"/>
+                </a:solidFill>
+                <a:latin typeface="+mj-lt"/>
+                <a:ea typeface="+mj-ea"/>
+                <a:cs typeface="+mj-cs"/>
+              </a:defRPr>
+            </a:lvl1pPr>
+          </a:lstStyle>
+          <a:p>
+            <a:r>
+              <a:rPr lang="en-US"/>
+              <a:t>P1: What is poverty and how is it measured?</a:t>
+            </a:r>
+            <a:r>
+              <a:rPr lang="en-US" dirty="0"/>
+              <a:t> </a:t>
+            </a:r>
+          </a:p>
+          <a:p>
+            <a:endParaRPr lang="en-US" dirty="0"/>
+          </a:p>
+          <a:p>
+            <a:r>
+              <a:rPr lang="en-US" dirty="0"/>
+              <a:t>P2:  What opportunities are there for using satellite data for poverty mapping?</a:t>
+            </a:r>
+          </a:p>
+          <a:p>
+            <a:endParaRPr lang="en-US" dirty="0"/>
+          </a:p>
+          <a:p>
+            <a:r>
+              <a:rPr lang="en-US" dirty="0"/>
+              <a:t>P3: </a:t>
+            </a:r>
+            <a:r>
+              <a:rPr lang="en-US" dirty="0">
+                <a:ea typeface="+mj-lt"/>
+                <a:cs typeface="+mj-lt"/>
+              </a:rPr>
+              <a:t>Design a foundation model that could also be used for a downstream task that involves change detection for a range of poverty outcomes. </a:t>
+            </a:r>
+          </a:p>
+        </p:txBody>
+      </p:sp>
+      <p:sp>
+        <p:nvSpPr>
+          <p:cNvPr id="2" name="TextBox 1">
+            <a:extLst>
+              <a:ext uri="{FF2B5EF4-FFF2-40B4-BE49-F238E27FC236}">
+                <a16:creationId xmlns:a16="http://schemas.microsoft.com/office/drawing/2014/main" id="{1FA59C5E-13AD-8CE8-414A-98230835AD7C}"/>
+              </a:ext>
+            </a:extLst>
+          </p:cNvPr>
+          <p:cNvSpPr txBox="1"/>
+          <p:nvPr/>
+        </p:nvSpPr>
+        <p:spPr>
+          <a:xfrm>
+            <a:off x="2136889" y="673191"/>
+            <a:ext cx="6097847" cy="769441"/>
+          </a:xfrm>
+          <a:prstGeom prst="rect">
+            <a:avLst/>
+          </a:prstGeom>
+          <a:noFill/>
+        </p:spPr>
+        <p:txBody>
+          <a:bodyPr rot="0" spcFirstLastPara="0" vertOverflow="overflow" horzOverflow="overflow" vert="horz" wrap="square" lIns="91440" tIns="45720" rIns="91440" bIns="45720" numCol="1" spcCol="0" rtlCol="0" fromWordArt="0" anchor="t" anchorCtr="0" forceAA="0" compatLnSpc="1">
+            <a:prstTxWarp prst="textNoShape">
+              <a:avLst/>
+            </a:prstTxWarp>
+            <a:spAutoFit/>
+          </a:bodyPr>
+          <a:lstStyle/>
+          <a:p>
+            <a:r>
+              <a:rPr lang="en-US" sz="4400" dirty="0">
+                <a:latin typeface="Aptos Display"/>
+              </a:rPr>
+              <a:t>Poverty &amp; Wealth</a:t>
+            </a:r>
+            <a:endParaRPr lang="en-US" dirty="0"/>
+          </a:p>
+        </p:txBody>
+      </p:sp>
+    </p:spTree>
+    <p:extLst>
+      <p:ext uri="{BB962C8B-B14F-4D97-AF65-F5344CB8AC3E}">
+        <p14:creationId xmlns:p14="http://schemas.microsoft.com/office/powerpoint/2010/main" val="1947864313"/>
+      </p:ext>
+    </p:extLst>
+  </p:cSld>
+  <p:clrMapOvr>
+    <a:masterClrMapping/>
+  </p:clrMapOvr>
+</p:sld>
+</file>
+
+<file path=ppt/slides/slide26.xml><?xml version="1.0" encoding="utf-8"?>
+<p:sld xmlns:a="http://schemas.openxmlformats.org/drawingml/2006/main" xmlns:r="http://schemas.openxmlformats.org/officeDocument/2006/relationships" xmlns:p="http://schemas.openxmlformats.org/presentationml/2006/main">
+  <p:cSld>
+    <p:spTree>
+      <p:nvGrpSpPr>
+        <p:cNvPr id="1" name="">
+          <a:extLst>
+            <a:ext uri="{FF2B5EF4-FFF2-40B4-BE49-F238E27FC236}">
+              <a16:creationId xmlns:a16="http://schemas.microsoft.com/office/drawing/2014/main" id="{1913FB74-DDD2-8B4A-8969-FDAC9506099B}"/>
+            </a:ext>
+          </a:extLst>
+        </p:cNvPr>
+        <p:cNvGrpSpPr/>
+        <p:nvPr/>
+      </p:nvGrpSpPr>
+      <p:grpSpPr>
+        <a:xfrm>
+          <a:off x="0" y="0"/>
+          <a:ext cx="0" cy="0"/>
+          <a:chOff x="0" y="0"/>
+          <a:chExt cx="0" cy="0"/>
+        </a:xfrm>
+      </p:grpSpPr>
+      <p:sp>
+        <p:nvSpPr>
+          <p:cNvPr id="5" name="Title 1">
+            <a:extLst>
+              <a:ext uri="{FF2B5EF4-FFF2-40B4-BE49-F238E27FC236}">
+                <a16:creationId xmlns:a16="http://schemas.microsoft.com/office/drawing/2014/main" id="{CFA1E40C-F959-BFF8-0625-C32F88B8CBF0}"/>
+              </a:ext>
+            </a:extLst>
+          </p:cNvPr>
+          <p:cNvSpPr txBox="1">
+            <a:spLocks/>
+          </p:cNvSpPr>
+          <p:nvPr/>
+        </p:nvSpPr>
+        <p:spPr>
+          <a:xfrm>
+            <a:off x="1983037" y="2652938"/>
+            <a:ext cx="9144000" cy="2387600"/>
+          </a:xfrm>
+          <a:prstGeom prst="rect">
+            <a:avLst/>
+          </a:prstGeom>
+        </p:spPr>
+        <p:txBody>
+          <a:bodyPr vert="horz" lIns="91440" tIns="45720" rIns="91440" bIns="45720" rtlCol="0" anchor="ctr">
+            <a:normAutofit lnSpcReduction="10000"/>
+          </a:bodyPr>
+          <a:lstStyle>
+            <a:lvl1pPr algn="l" defTabSz="914400" rtl="0" eaLnBrk="1" latinLnBrk="0" hangingPunct="1">
+              <a:lnSpc>
+                <a:spcPct val="90000"/>
+              </a:lnSpc>
+              <a:spcBef>
+                <a:spcPct val="0"/>
+              </a:spcBef>
+              <a:buNone/>
+              <a:defRPr sz="4400" kern="1200">
+                <a:solidFill>
+                  <a:schemeClr val="tx1"/>
+                </a:solidFill>
+                <a:latin typeface="+mj-lt"/>
+                <a:ea typeface="+mj-ea"/>
+                <a:cs typeface="+mj-cs"/>
+              </a:defRPr>
+            </a:lvl1pPr>
+          </a:lstStyle>
+          <a:p>
+            <a:r>
+              <a:rPr lang="en-US" dirty="0"/>
+              <a:t>Design a foundation model that could also be used for a downstream task that involves change detection for a range of poverty outcomes.</a:t>
+            </a:r>
+          </a:p>
+        </p:txBody>
+      </p:sp>
+      <p:sp>
+        <p:nvSpPr>
+          <p:cNvPr id="2" name="TextBox 1">
+            <a:extLst>
+              <a:ext uri="{FF2B5EF4-FFF2-40B4-BE49-F238E27FC236}">
+                <a16:creationId xmlns:a16="http://schemas.microsoft.com/office/drawing/2014/main" id="{B33AFF27-1453-EA23-8FA4-9A87E6DF89D4}"/>
+              </a:ext>
+            </a:extLst>
+          </p:cNvPr>
+          <p:cNvSpPr txBox="1"/>
+          <p:nvPr/>
+        </p:nvSpPr>
+        <p:spPr>
+          <a:xfrm>
+            <a:off x="2136889" y="673191"/>
+            <a:ext cx="6097847" cy="769441"/>
+          </a:xfrm>
+          <a:prstGeom prst="rect">
+            <a:avLst/>
+          </a:prstGeom>
+          <a:noFill/>
+        </p:spPr>
+        <p:txBody>
+          <a:bodyPr rot="0" spcFirstLastPara="0" vertOverflow="overflow" horzOverflow="overflow" vert="horz" wrap="square" lIns="91440" tIns="45720" rIns="91440" bIns="45720" numCol="1" spcCol="0" rtlCol="0" fromWordArt="0" anchor="t" anchorCtr="0" forceAA="0" compatLnSpc="1">
+            <a:prstTxWarp prst="textNoShape">
+              <a:avLst/>
+            </a:prstTxWarp>
+            <a:spAutoFit/>
+          </a:bodyPr>
+          <a:lstStyle/>
+          <a:p>
+            <a:r>
+              <a:rPr lang="en-US" sz="4400" dirty="0">
+                <a:latin typeface="Aptos Display"/>
+              </a:rPr>
+              <a:t>Build your own</a:t>
+            </a:r>
+            <a:endParaRPr lang="en-US" dirty="0"/>
+          </a:p>
+        </p:txBody>
+      </p:sp>
+    </p:spTree>
+    <p:extLst>
+      <p:ext uri="{BB962C8B-B14F-4D97-AF65-F5344CB8AC3E}">
+        <p14:creationId xmlns:p14="http://schemas.microsoft.com/office/powerpoint/2010/main" val="3647233562"/>
+      </p:ext>
+    </p:extLst>
+  </p:cSld>
+  <p:clrMapOvr>
+    <a:masterClrMapping/>
+  </p:clrMapOvr>
+</p:sld>
+</file>
+
+<file path=ppt/slides/slide27.xml><?xml version="1.0" encoding="utf-8"?>
+<p:sld xmlns:a="http://schemas.openxmlformats.org/drawingml/2006/main" xmlns:r="http://schemas.openxmlformats.org/officeDocument/2006/relationships" xmlns:p="http://schemas.openxmlformats.org/presentationml/2006/main">
+  <p:cSld>
+    <p:spTree>
+      <p:nvGrpSpPr>
+        <p:cNvPr id="1" name="">
+          <a:extLst>
+            <a:ext uri="{FF2B5EF4-FFF2-40B4-BE49-F238E27FC236}">
+              <a16:creationId xmlns:a16="http://schemas.microsoft.com/office/drawing/2014/main" id="{792EE1AF-56AD-CE4F-0B53-9067B23A36A5}"/>
+            </a:ext>
+          </a:extLst>
+        </p:cNvPr>
+        <p:cNvGrpSpPr/>
+        <p:nvPr/>
+      </p:nvGrpSpPr>
+      <p:grpSpPr>
+        <a:xfrm>
+          <a:off x="0" y="0"/>
+          <a:ext cx="0" cy="0"/>
+          <a:chOff x="0" y="0"/>
+          <a:chExt cx="0" cy="0"/>
+        </a:xfrm>
+      </p:grpSpPr>
+      <p:sp>
+        <p:nvSpPr>
+          <p:cNvPr id="5" name="Title 1">
+            <a:extLst>
+              <a:ext uri="{FF2B5EF4-FFF2-40B4-BE49-F238E27FC236}">
+                <a16:creationId xmlns:a16="http://schemas.microsoft.com/office/drawing/2014/main" id="{CDA9C676-5D5E-6304-B20E-D812E5457949}"/>
+              </a:ext>
+            </a:extLst>
+          </p:cNvPr>
+          <p:cNvSpPr txBox="1">
+            <a:spLocks/>
+          </p:cNvSpPr>
+          <p:nvPr/>
+        </p:nvSpPr>
+        <p:spPr>
+          <a:xfrm>
+            <a:off x="1639995" y="2156343"/>
+            <a:ext cx="9144000" cy="2387600"/>
+          </a:xfrm>
+          <a:prstGeom prst="rect">
+            <a:avLst/>
+          </a:prstGeom>
+        </p:spPr>
+        <p:txBody>
+          <a:bodyPr vert="horz" lIns="91440" tIns="45720" rIns="91440" bIns="45720" rtlCol="0" anchor="ctr">
+            <a:normAutofit/>
+          </a:bodyPr>
+          <a:lstStyle>
+            <a:lvl1pPr algn="l" defTabSz="914400" rtl="0" eaLnBrk="1" latinLnBrk="0" hangingPunct="1">
+              <a:lnSpc>
+                <a:spcPct val="90000"/>
+              </a:lnSpc>
+              <a:spcBef>
+                <a:spcPct val="0"/>
+              </a:spcBef>
+              <a:buNone/>
+              <a:defRPr sz="4400" kern="1200">
+                <a:solidFill>
+                  <a:schemeClr val="tx1"/>
+                </a:solidFill>
+                <a:latin typeface="+mj-lt"/>
+                <a:ea typeface="+mj-ea"/>
+                <a:cs typeface="+mj-cs"/>
+              </a:defRPr>
+            </a:lvl1pPr>
+          </a:lstStyle>
+          <a:p>
+            <a:r>
+              <a:rPr lang="en-US" dirty="0"/>
+              <a:t>Week 6: Trees and crop yields</a:t>
+            </a:r>
+          </a:p>
+        </p:txBody>
+      </p:sp>
+    </p:spTree>
+    <p:extLst>
+      <p:ext uri="{BB962C8B-B14F-4D97-AF65-F5344CB8AC3E}">
+        <p14:creationId xmlns:p14="http://schemas.microsoft.com/office/powerpoint/2010/main" val="23103943"/>
+      </p:ext>
+    </p:extLst>
+  </p:cSld>
+  <p:clrMapOvr>
+    <a:masterClrMapping/>
+  </p:clrMapOvr>
+</p:sld>
+</file>
+
+<file path=ppt/slides/slide28.xml><?xml version="1.0" encoding="utf-8"?>
+<p:sld xmlns:a="http://schemas.openxmlformats.org/drawingml/2006/main" xmlns:r="http://schemas.openxmlformats.org/officeDocument/2006/relationships" xmlns:p="http://schemas.openxmlformats.org/presentationml/2006/main">
+  <p:cSld>
+    <p:spTree>
+      <p:nvGrpSpPr>
+        <p:cNvPr id="1" name=""/>
+        <p:cNvGrpSpPr/>
+        <p:nvPr/>
+      </p:nvGrpSpPr>
+      <p:grpSpPr>
+        <a:xfrm>
+          <a:off x="0" y="0"/>
+          <a:ext cx="0" cy="0"/>
+          <a:chOff x="0" y="0"/>
+          <a:chExt cx="0" cy="0"/>
+        </a:xfrm>
+      </p:grpSpPr>
+      <p:sp>
+        <p:nvSpPr>
+          <p:cNvPr id="3" name="Content Placeholder 2">
+            <a:extLst>
+              <a:ext uri="{FF2B5EF4-FFF2-40B4-BE49-F238E27FC236}">
+                <a16:creationId xmlns:a16="http://schemas.microsoft.com/office/drawing/2014/main" id="{C07C59A3-CC7B-2A0C-EE4A-BE6B5E5D025B}"/>
+              </a:ext>
+            </a:extLst>
+          </p:cNvPr>
+          <p:cNvSpPr>
+            <a:spLocks noGrp="1"/>
+          </p:cNvSpPr>
+          <p:nvPr>
+            <p:ph idx="1"/>
+          </p:nvPr>
+        </p:nvSpPr>
+        <p:spPr>
+          <a:xfrm>
+            <a:off x="2487304" y="2508013"/>
+            <a:ext cx="10515600" cy="4351338"/>
+          </a:xfrm>
+        </p:spPr>
+        <p:txBody>
+          <a:bodyPr vert="horz" lIns="91440" tIns="45720" rIns="91440" bIns="45720" rtlCol="0" anchor="t">
+            <a:normAutofit/>
+          </a:bodyPr>
+          <a:lstStyle/>
+          <a:p>
+            <a:pPr marL="0" indent="0">
+              <a:buNone/>
+            </a:pPr>
+            <a:r>
+              <a:rPr lang="en-US" dirty="0">
+                <a:ea typeface="+mn-lt"/>
+                <a:cs typeface="+mn-lt"/>
+              </a:rPr>
+              <a:t>Explain the differences between random forests</a:t>
+            </a:r>
+            <a:endParaRPr lang="en-US" dirty="0"/>
+          </a:p>
+          <a:p>
+            <a:pPr marL="0" indent="0">
+              <a:buNone/>
+            </a:pPr>
+            <a:r>
+              <a:rPr lang="en-US">
+                <a:ea typeface="+mn-lt"/>
+                <a:cs typeface="+mn-lt"/>
+              </a:rPr>
+              <a:t>and boosted regression trees and how they work</a:t>
+            </a:r>
+            <a:endParaRPr lang="en-US"/>
+          </a:p>
+          <a:p>
+            <a:endParaRPr lang="en-US" dirty="0"/>
+          </a:p>
+        </p:txBody>
+      </p:sp>
+    </p:spTree>
+    <p:extLst>
+      <p:ext uri="{BB962C8B-B14F-4D97-AF65-F5344CB8AC3E}">
+        <p14:creationId xmlns:p14="http://schemas.microsoft.com/office/powerpoint/2010/main" val="1839448515"/>
+      </p:ext>
+    </p:extLst>
+  </p:cSld>
+  <p:clrMapOvr>
+    <a:masterClrMapping/>
+  </p:clrMapOvr>
+</p:sld>
+</file>
+
+<file path=ppt/slides/slide29.xml><?xml version="1.0" encoding="utf-8"?>
+<p:sld xmlns:a="http://schemas.openxmlformats.org/drawingml/2006/main" xmlns:r="http://schemas.openxmlformats.org/officeDocument/2006/relationships" xmlns:p="http://schemas.openxmlformats.org/presentationml/2006/main">
+  <p:cSld>
+    <p:spTree>
+      <p:nvGrpSpPr>
+        <p:cNvPr id="1" name="">
+          <a:extLst>
+            <a:ext uri="{FF2B5EF4-FFF2-40B4-BE49-F238E27FC236}">
+              <a16:creationId xmlns:a16="http://schemas.microsoft.com/office/drawing/2014/main" id="{F3C06872-BE52-A03C-D0AF-4E5BE17ED83E}"/>
+            </a:ext>
+          </a:extLst>
+        </p:cNvPr>
+        <p:cNvGrpSpPr/>
+        <p:nvPr/>
+      </p:nvGrpSpPr>
+      <p:grpSpPr>
+        <a:xfrm>
+          <a:off x="0" y="0"/>
+          <a:ext cx="0" cy="0"/>
+          <a:chOff x="0" y="0"/>
+          <a:chExt cx="0" cy="0"/>
+        </a:xfrm>
+      </p:grpSpPr>
+      <p:sp>
+        <p:nvSpPr>
+          <p:cNvPr id="3" name="Content Placeholder 2">
+            <a:extLst>
+              <a:ext uri="{FF2B5EF4-FFF2-40B4-BE49-F238E27FC236}">
+                <a16:creationId xmlns:a16="http://schemas.microsoft.com/office/drawing/2014/main" id="{778DBAEF-27ED-B199-A213-E479FF3B65F3}"/>
+              </a:ext>
+            </a:extLst>
+          </p:cNvPr>
+          <p:cNvSpPr>
+            <a:spLocks noGrp="1"/>
+          </p:cNvSpPr>
+          <p:nvPr>
+            <p:ph idx="1"/>
+          </p:nvPr>
+        </p:nvSpPr>
+        <p:spPr>
+          <a:xfrm>
+            <a:off x="1833349" y="2900386"/>
+            <a:ext cx="10515600" cy="4351338"/>
+          </a:xfrm>
+        </p:spPr>
+        <p:txBody>
+          <a:bodyPr vert="horz" lIns="91440" tIns="45720" rIns="91440" bIns="45720" rtlCol="0" anchor="t">
+            <a:normAutofit/>
+          </a:bodyPr>
+          <a:lstStyle/>
+          <a:p>
+            <a:pPr marL="0" indent="0">
+              <a:buNone/>
+            </a:pPr>
+            <a:r>
+              <a:rPr lang="en-US" dirty="0">
+                <a:ea typeface="+mn-lt"/>
+                <a:cs typeface="+mn-lt"/>
+              </a:rPr>
+              <a:t>How do we assess feature importance? At what stage does interpretability break down for trees? </a:t>
+            </a:r>
+            <a:endParaRPr lang="en-US" dirty="0"/>
+          </a:p>
+        </p:txBody>
+      </p:sp>
+    </p:spTree>
+    <p:extLst>
+      <p:ext uri="{BB962C8B-B14F-4D97-AF65-F5344CB8AC3E}">
+        <p14:creationId xmlns:p14="http://schemas.microsoft.com/office/powerpoint/2010/main" val="3670284369"/>
+      </p:ext>
+    </p:extLst>
+  </p:cSld>
+  <p:clrMapOvr>
+    <a:masterClrMapping/>
+  </p:clrMapOvr>
+</p:sld>
+</file>
+
 <file path=ppt/slides/slide3.xml><?xml version="1.0" encoding="utf-8"?>
 <p:sld xmlns:a="http://schemas.openxmlformats.org/drawingml/2006/main" xmlns:r="http://schemas.openxmlformats.org/officeDocument/2006/relationships" xmlns:p="http://schemas.openxmlformats.org/presentationml/2006/main">
   <p:cSld>
@@ -4023,6 +5431,708 @@
     <p:extLst>
       <p:ext uri="{BB962C8B-B14F-4D97-AF65-F5344CB8AC3E}">
         <p14:creationId xmlns:p14="http://schemas.microsoft.com/office/powerpoint/2010/main" val="1214120151"/>
+      </p:ext>
+    </p:extLst>
+  </p:cSld>
+  <p:clrMapOvr>
+    <a:masterClrMapping/>
+  </p:clrMapOvr>
+</p:sld>
+</file>
+
+<file path=ppt/slides/slide30.xml><?xml version="1.0" encoding="utf-8"?>
+<p:sld xmlns:a="http://schemas.openxmlformats.org/drawingml/2006/main" xmlns:r="http://schemas.openxmlformats.org/officeDocument/2006/relationships" xmlns:p="http://schemas.openxmlformats.org/presentationml/2006/main">
+  <p:cSld>
+    <p:spTree>
+      <p:nvGrpSpPr>
+        <p:cNvPr id="1" name="">
+          <a:extLst>
+            <a:ext uri="{FF2B5EF4-FFF2-40B4-BE49-F238E27FC236}">
+              <a16:creationId xmlns:a16="http://schemas.microsoft.com/office/drawing/2014/main" id="{E1437F11-59AB-1D72-770B-8920294AD4B8}"/>
+            </a:ext>
+          </a:extLst>
+        </p:cNvPr>
+        <p:cNvGrpSpPr/>
+        <p:nvPr/>
+      </p:nvGrpSpPr>
+      <p:grpSpPr>
+        <a:xfrm>
+          <a:off x="0" y="0"/>
+          <a:ext cx="0" cy="0"/>
+          <a:chOff x="0" y="0"/>
+          <a:chExt cx="0" cy="0"/>
+        </a:xfrm>
+      </p:grpSpPr>
+      <p:sp>
+        <p:nvSpPr>
+          <p:cNvPr id="3" name="Content Placeholder 2">
+            <a:extLst>
+              <a:ext uri="{FF2B5EF4-FFF2-40B4-BE49-F238E27FC236}">
+                <a16:creationId xmlns:a16="http://schemas.microsoft.com/office/drawing/2014/main" id="{D3F0297F-18E8-770D-1C68-96F0C7CB9960}"/>
+              </a:ext>
+            </a:extLst>
+          </p:cNvPr>
+          <p:cNvSpPr>
+            <a:spLocks noGrp="1"/>
+          </p:cNvSpPr>
+          <p:nvPr>
+            <p:ph idx="1"/>
+          </p:nvPr>
+        </p:nvSpPr>
+        <p:spPr>
+          <a:xfrm>
+            <a:off x="2009632" y="2508013"/>
+            <a:ext cx="10515600" cy="4351338"/>
+          </a:xfrm>
+        </p:spPr>
+        <p:txBody>
+          <a:bodyPr vert="horz" lIns="91440" tIns="45720" rIns="91440" bIns="45720" rtlCol="0" anchor="t">
+            <a:normAutofit/>
+          </a:bodyPr>
+          <a:lstStyle/>
+          <a:p>
+            <a:pPr>
+              <a:buNone/>
+            </a:pPr>
+            <a:r>
+              <a:rPr lang="en-US" dirty="0">
+                <a:ea typeface="+mn-lt"/>
+                <a:cs typeface="+mn-lt"/>
+              </a:rPr>
+              <a:t>What factors influence crop yields? How might</a:t>
+            </a:r>
+          </a:p>
+          <a:p>
+            <a:pPr marL="0" indent="0">
+              <a:buNone/>
+            </a:pPr>
+            <a:r>
+              <a:rPr lang="en-US" dirty="0">
+                <a:ea typeface="+mn-lt"/>
+                <a:cs typeface="+mn-lt"/>
+              </a:rPr>
+              <a:t>you build a machine learning model to simulate those relationships?</a:t>
+            </a:r>
+          </a:p>
+        </p:txBody>
+      </p:sp>
+    </p:spTree>
+    <p:extLst>
+      <p:ext uri="{BB962C8B-B14F-4D97-AF65-F5344CB8AC3E}">
+        <p14:creationId xmlns:p14="http://schemas.microsoft.com/office/powerpoint/2010/main" val="2709132895"/>
+      </p:ext>
+    </p:extLst>
+  </p:cSld>
+  <p:clrMapOvr>
+    <a:masterClrMapping/>
+  </p:clrMapOvr>
+</p:sld>
+</file>
+
+<file path=ppt/slides/slide31.xml><?xml version="1.0" encoding="utf-8"?>
+<p:sld xmlns:a="http://schemas.openxmlformats.org/drawingml/2006/main" xmlns:r="http://schemas.openxmlformats.org/officeDocument/2006/relationships" xmlns:p="http://schemas.openxmlformats.org/presentationml/2006/main">
+  <p:cSld>
+    <p:spTree>
+      <p:nvGrpSpPr>
+        <p:cNvPr id="1" name="">
+          <a:extLst>
+            <a:ext uri="{FF2B5EF4-FFF2-40B4-BE49-F238E27FC236}">
+              <a16:creationId xmlns:a16="http://schemas.microsoft.com/office/drawing/2014/main" id="{6A020A0B-7CCC-DAE7-27D7-1E19B606B15C}"/>
+            </a:ext>
+          </a:extLst>
+        </p:cNvPr>
+        <p:cNvGrpSpPr/>
+        <p:nvPr/>
+      </p:nvGrpSpPr>
+      <p:grpSpPr>
+        <a:xfrm>
+          <a:off x="0" y="0"/>
+          <a:ext cx="0" cy="0"/>
+          <a:chOff x="0" y="0"/>
+          <a:chExt cx="0" cy="0"/>
+        </a:xfrm>
+      </p:grpSpPr>
+      <p:sp>
+        <p:nvSpPr>
+          <p:cNvPr id="5" name="Title 1">
+            <a:extLst>
+              <a:ext uri="{FF2B5EF4-FFF2-40B4-BE49-F238E27FC236}">
+                <a16:creationId xmlns:a16="http://schemas.microsoft.com/office/drawing/2014/main" id="{1919265A-18DF-21A2-579F-C8BEBFEABB0D}"/>
+              </a:ext>
+            </a:extLst>
+          </p:cNvPr>
+          <p:cNvSpPr txBox="1">
+            <a:spLocks/>
+          </p:cNvSpPr>
+          <p:nvPr/>
+        </p:nvSpPr>
+        <p:spPr>
+          <a:xfrm>
+            <a:off x="1639995" y="2156343"/>
+            <a:ext cx="9144000" cy="2387600"/>
+          </a:xfrm>
+          <a:prstGeom prst="rect">
+            <a:avLst/>
+          </a:prstGeom>
+        </p:spPr>
+        <p:txBody>
+          <a:bodyPr vert="horz" lIns="91440" tIns="45720" rIns="91440" bIns="45720" rtlCol="0" anchor="ctr">
+            <a:normAutofit/>
+          </a:bodyPr>
+          <a:lstStyle>
+            <a:lvl1pPr algn="l" defTabSz="914400" rtl="0" eaLnBrk="1" latinLnBrk="0" hangingPunct="1">
+              <a:lnSpc>
+                <a:spcPct val="90000"/>
+              </a:lnSpc>
+              <a:spcBef>
+                <a:spcPct val="0"/>
+              </a:spcBef>
+              <a:buNone/>
+              <a:defRPr sz="4400" kern="1200">
+                <a:solidFill>
+                  <a:schemeClr val="tx1"/>
+                </a:solidFill>
+                <a:latin typeface="+mj-lt"/>
+                <a:ea typeface="+mj-ea"/>
+                <a:cs typeface="+mj-cs"/>
+              </a:defRPr>
+            </a:lvl1pPr>
+          </a:lstStyle>
+          <a:p>
+            <a:r>
+              <a:rPr lang="en-US" dirty="0"/>
+              <a:t>Week 7: Transformers and product labelling</a:t>
+            </a:r>
+          </a:p>
+        </p:txBody>
+      </p:sp>
+    </p:spTree>
+    <p:extLst>
+      <p:ext uri="{BB962C8B-B14F-4D97-AF65-F5344CB8AC3E}">
+        <p14:creationId xmlns:p14="http://schemas.microsoft.com/office/powerpoint/2010/main" val="2794483896"/>
+      </p:ext>
+    </p:extLst>
+  </p:cSld>
+  <p:clrMapOvr>
+    <a:masterClrMapping/>
+  </p:clrMapOvr>
+</p:sld>
+</file>
+
+<file path=ppt/slides/slide32.xml><?xml version="1.0" encoding="utf-8"?>
+<p:sld xmlns:a="http://schemas.openxmlformats.org/drawingml/2006/main" xmlns:r="http://schemas.openxmlformats.org/officeDocument/2006/relationships" xmlns:p="http://schemas.openxmlformats.org/presentationml/2006/main">
+  <p:cSld>
+    <p:spTree>
+      <p:nvGrpSpPr>
+        <p:cNvPr id="1" name="">
+          <a:extLst>
+            <a:ext uri="{FF2B5EF4-FFF2-40B4-BE49-F238E27FC236}">
+              <a16:creationId xmlns:a16="http://schemas.microsoft.com/office/drawing/2014/main" id="{2537EDFA-82C1-1611-A124-78ED677B4378}"/>
+            </a:ext>
+          </a:extLst>
+        </p:cNvPr>
+        <p:cNvGrpSpPr/>
+        <p:nvPr/>
+      </p:nvGrpSpPr>
+      <p:grpSpPr>
+        <a:xfrm>
+          <a:off x="0" y="0"/>
+          <a:ext cx="0" cy="0"/>
+          <a:chOff x="0" y="0"/>
+          <a:chExt cx="0" cy="0"/>
+        </a:xfrm>
+      </p:grpSpPr>
+      <p:sp>
+        <p:nvSpPr>
+          <p:cNvPr id="5" name="Title 1">
+            <a:extLst>
+              <a:ext uri="{FF2B5EF4-FFF2-40B4-BE49-F238E27FC236}">
+                <a16:creationId xmlns:a16="http://schemas.microsoft.com/office/drawing/2014/main" id="{1B1D3576-2AE5-1D24-87B1-836EF58DF50D}"/>
+              </a:ext>
+            </a:extLst>
+          </p:cNvPr>
+          <p:cNvSpPr txBox="1">
+            <a:spLocks/>
+          </p:cNvSpPr>
+          <p:nvPr/>
+        </p:nvSpPr>
+        <p:spPr>
+          <a:xfrm>
+            <a:off x="1857933" y="2061535"/>
+            <a:ext cx="9144000" cy="3362366"/>
+          </a:xfrm>
+          <a:prstGeom prst="rect">
+            <a:avLst/>
+          </a:prstGeom>
+        </p:spPr>
+        <p:txBody>
+          <a:bodyPr vert="horz" lIns="91440" tIns="45720" rIns="91440" bIns="45720" rtlCol="0" anchor="ctr">
+            <a:normAutofit/>
+          </a:bodyPr>
+          <a:lstStyle>
+            <a:lvl1pPr algn="l" defTabSz="914400" rtl="0" eaLnBrk="1" latinLnBrk="0" hangingPunct="1">
+              <a:lnSpc>
+                <a:spcPct val="90000"/>
+              </a:lnSpc>
+              <a:spcBef>
+                <a:spcPct val="0"/>
+              </a:spcBef>
+              <a:buNone/>
+              <a:defRPr sz="4400" kern="1200">
+                <a:solidFill>
+                  <a:schemeClr val="tx1"/>
+                </a:solidFill>
+                <a:latin typeface="+mj-lt"/>
+                <a:ea typeface="+mj-ea"/>
+                <a:cs typeface="+mj-cs"/>
+              </a:defRPr>
+            </a:lvl1pPr>
+          </a:lstStyle>
+          <a:p>
+            <a:r>
+              <a:rPr lang="en-US" dirty="0"/>
+              <a:t>P1: Explain what a transformer is </a:t>
+            </a:r>
+          </a:p>
+          <a:p>
+            <a:endParaRPr lang="en-US" dirty="0"/>
+          </a:p>
+          <a:p>
+            <a:r>
+              <a:rPr lang="en-US" dirty="0"/>
+              <a:t>P2: Explain missing details on attention</a:t>
+            </a:r>
+          </a:p>
+          <a:p>
+            <a:endParaRPr lang="en-US" dirty="0"/>
+          </a:p>
+          <a:p>
+            <a:r>
+              <a:rPr lang="en-US" dirty="0"/>
+              <a:t>P1or2: Why does it work so well?</a:t>
+            </a:r>
+          </a:p>
+        </p:txBody>
+      </p:sp>
+      <p:sp>
+        <p:nvSpPr>
+          <p:cNvPr id="2" name="TextBox 1">
+            <a:extLst>
+              <a:ext uri="{FF2B5EF4-FFF2-40B4-BE49-F238E27FC236}">
+                <a16:creationId xmlns:a16="http://schemas.microsoft.com/office/drawing/2014/main" id="{9FD5FCB8-2547-0851-C300-A65DB4B2703B}"/>
+              </a:ext>
+            </a:extLst>
+          </p:cNvPr>
+          <p:cNvSpPr txBox="1"/>
+          <p:nvPr/>
+        </p:nvSpPr>
+        <p:spPr>
+          <a:xfrm>
+            <a:off x="2136889" y="673191"/>
+            <a:ext cx="6097847" cy="769441"/>
+          </a:xfrm>
+          <a:prstGeom prst="rect">
+            <a:avLst/>
+          </a:prstGeom>
+          <a:noFill/>
+        </p:spPr>
+        <p:txBody>
+          <a:bodyPr rot="0" spcFirstLastPara="0" vertOverflow="overflow" horzOverflow="overflow" vert="horz" wrap="square" lIns="91440" tIns="45720" rIns="91440" bIns="45720" numCol="1" spcCol="0" rtlCol="0" fromWordArt="0" anchor="t" anchorCtr="0" forceAA="0" compatLnSpc="1">
+            <a:prstTxWarp prst="textNoShape">
+              <a:avLst/>
+            </a:prstTxWarp>
+            <a:spAutoFit/>
+          </a:bodyPr>
+          <a:lstStyle/>
+          <a:p>
+            <a:r>
+              <a:rPr lang="en-US" sz="4400" dirty="0">
+                <a:latin typeface="Aptos Display"/>
+              </a:rPr>
+              <a:t>Basics</a:t>
+            </a:r>
+          </a:p>
+        </p:txBody>
+      </p:sp>
+    </p:spTree>
+    <p:extLst>
+      <p:ext uri="{BB962C8B-B14F-4D97-AF65-F5344CB8AC3E}">
+        <p14:creationId xmlns:p14="http://schemas.microsoft.com/office/powerpoint/2010/main" val="3739172283"/>
+      </p:ext>
+    </p:extLst>
+  </p:cSld>
+  <p:clrMapOvr>
+    <a:masterClrMapping/>
+  </p:clrMapOvr>
+</p:sld>
+</file>
+
+<file path=ppt/slides/slide33.xml><?xml version="1.0" encoding="utf-8"?>
+<p:sld xmlns:a="http://schemas.openxmlformats.org/drawingml/2006/main" xmlns:r="http://schemas.openxmlformats.org/officeDocument/2006/relationships" xmlns:p="http://schemas.openxmlformats.org/presentationml/2006/main">
+  <p:cSld>
+    <p:spTree>
+      <p:nvGrpSpPr>
+        <p:cNvPr id="1" name="">
+          <a:extLst>
+            <a:ext uri="{FF2B5EF4-FFF2-40B4-BE49-F238E27FC236}">
+              <a16:creationId xmlns:a16="http://schemas.microsoft.com/office/drawing/2014/main" id="{7458941A-1785-9BE9-8C02-EDCA4195BF96}"/>
+            </a:ext>
+          </a:extLst>
+        </p:cNvPr>
+        <p:cNvGrpSpPr/>
+        <p:nvPr/>
+      </p:nvGrpSpPr>
+      <p:grpSpPr>
+        <a:xfrm>
+          <a:off x="0" y="0"/>
+          <a:ext cx="0" cy="0"/>
+          <a:chOff x="0" y="0"/>
+          <a:chExt cx="0" cy="0"/>
+        </a:xfrm>
+      </p:grpSpPr>
+      <p:sp>
+        <p:nvSpPr>
+          <p:cNvPr id="5" name="Title 1">
+            <a:extLst>
+              <a:ext uri="{FF2B5EF4-FFF2-40B4-BE49-F238E27FC236}">
+                <a16:creationId xmlns:a16="http://schemas.microsoft.com/office/drawing/2014/main" id="{61878057-2A5A-4CB9-9FF9-D0E5210ACB96}"/>
+              </a:ext>
+            </a:extLst>
+          </p:cNvPr>
+          <p:cNvSpPr txBox="1">
+            <a:spLocks/>
+          </p:cNvSpPr>
+          <p:nvPr/>
+        </p:nvSpPr>
+        <p:spPr>
+          <a:xfrm>
+            <a:off x="1857933" y="2061535"/>
+            <a:ext cx="9144000" cy="3362366"/>
+          </a:xfrm>
+          <a:prstGeom prst="rect">
+            <a:avLst/>
+          </a:prstGeom>
+        </p:spPr>
+        <p:txBody>
+          <a:bodyPr vert="horz" lIns="91440" tIns="45720" rIns="91440" bIns="45720" rtlCol="0" anchor="ctr">
+            <a:normAutofit/>
+          </a:bodyPr>
+          <a:lstStyle>
+            <a:lvl1pPr algn="l" defTabSz="914400" rtl="0" eaLnBrk="1" latinLnBrk="0" hangingPunct="1">
+              <a:lnSpc>
+                <a:spcPct val="90000"/>
+              </a:lnSpc>
+              <a:spcBef>
+                <a:spcPct val="0"/>
+              </a:spcBef>
+              <a:buNone/>
+              <a:defRPr sz="4400" kern="1200">
+                <a:solidFill>
+                  <a:schemeClr val="tx1"/>
+                </a:solidFill>
+                <a:latin typeface="+mj-lt"/>
+                <a:ea typeface="+mj-ea"/>
+                <a:cs typeface="+mj-cs"/>
+              </a:defRPr>
+            </a:lvl1pPr>
+          </a:lstStyle>
+          <a:p>
+            <a:r>
+              <a:rPr lang="en-US" dirty="0"/>
+              <a:t>P1: </a:t>
+            </a:r>
+            <a:r>
+              <a:rPr lang="en-US" dirty="0">
+                <a:ea typeface="+mj-lt"/>
+                <a:cs typeface="+mj-lt"/>
+              </a:rPr>
+              <a:t>Explain how you would use BERT for RAG </a:t>
+            </a:r>
+            <a:endParaRPr lang="en-US" dirty="0"/>
+          </a:p>
+          <a:p>
+            <a:endParaRPr lang="en-US" dirty="0"/>
+          </a:p>
+          <a:p>
+            <a:r>
+              <a:rPr lang="en-US" dirty="0"/>
+              <a:t>P2: Explain how you would use BERT for QA. Why might it fail?</a:t>
+            </a:r>
+          </a:p>
+          <a:p>
+            <a:endParaRPr lang="en-US" dirty="0"/>
+          </a:p>
+          <a:p>
+            <a:endParaRPr lang="en-US" dirty="0"/>
+          </a:p>
+        </p:txBody>
+      </p:sp>
+      <p:sp>
+        <p:nvSpPr>
+          <p:cNvPr id="2" name="TextBox 1">
+            <a:extLst>
+              <a:ext uri="{FF2B5EF4-FFF2-40B4-BE49-F238E27FC236}">
+                <a16:creationId xmlns:a16="http://schemas.microsoft.com/office/drawing/2014/main" id="{631F1100-857D-6365-D96C-0F43472C2BA1}"/>
+              </a:ext>
+            </a:extLst>
+          </p:cNvPr>
+          <p:cNvSpPr txBox="1"/>
+          <p:nvPr/>
+        </p:nvSpPr>
+        <p:spPr>
+          <a:xfrm>
+            <a:off x="1733143" y="599266"/>
+            <a:ext cx="6097847" cy="769441"/>
+          </a:xfrm>
+          <a:prstGeom prst="rect">
+            <a:avLst/>
+          </a:prstGeom>
+          <a:noFill/>
+        </p:spPr>
+        <p:txBody>
+          <a:bodyPr rot="0" spcFirstLastPara="0" vertOverflow="overflow" horzOverflow="overflow" vert="horz" wrap="square" lIns="91440" tIns="45720" rIns="91440" bIns="45720" numCol="1" spcCol="0" rtlCol="0" fromWordArt="0" anchor="t" anchorCtr="0" forceAA="0" compatLnSpc="1">
+            <a:prstTxWarp prst="textNoShape">
+              <a:avLst/>
+            </a:prstTxWarp>
+            <a:spAutoFit/>
+          </a:bodyPr>
+          <a:lstStyle/>
+          <a:p>
+            <a:r>
+              <a:rPr lang="en-US" sz="4400" dirty="0">
+                <a:latin typeface="Aptos Display"/>
+              </a:rPr>
+              <a:t>Downstream tasks</a:t>
+            </a:r>
+            <a:endParaRPr lang="en-US" dirty="0"/>
+          </a:p>
+        </p:txBody>
+      </p:sp>
+    </p:spTree>
+    <p:extLst>
+      <p:ext uri="{BB962C8B-B14F-4D97-AF65-F5344CB8AC3E}">
+        <p14:creationId xmlns:p14="http://schemas.microsoft.com/office/powerpoint/2010/main" val="454533316"/>
+      </p:ext>
+    </p:extLst>
+  </p:cSld>
+  <p:clrMapOvr>
+    <a:masterClrMapping/>
+  </p:clrMapOvr>
+</p:sld>
+</file>
+
+<file path=ppt/slides/slide34.xml><?xml version="1.0" encoding="utf-8"?>
+<p:sld xmlns:a="http://schemas.openxmlformats.org/drawingml/2006/main" xmlns:r="http://schemas.openxmlformats.org/officeDocument/2006/relationships" xmlns:p="http://schemas.openxmlformats.org/presentationml/2006/main">
+  <p:cSld>
+    <p:spTree>
+      <p:nvGrpSpPr>
+        <p:cNvPr id="1" name="">
+          <a:extLst>
+            <a:ext uri="{FF2B5EF4-FFF2-40B4-BE49-F238E27FC236}">
+              <a16:creationId xmlns:a16="http://schemas.microsoft.com/office/drawing/2014/main" id="{0E3C06BA-B1E4-FD8F-82A0-651D6843743B}"/>
+            </a:ext>
+          </a:extLst>
+        </p:cNvPr>
+        <p:cNvGrpSpPr/>
+        <p:nvPr/>
+      </p:nvGrpSpPr>
+      <p:grpSpPr>
+        <a:xfrm>
+          <a:off x="0" y="0"/>
+          <a:ext cx="0" cy="0"/>
+          <a:chOff x="0" y="0"/>
+          <a:chExt cx="0" cy="0"/>
+        </a:xfrm>
+      </p:grpSpPr>
+      <p:sp>
+        <p:nvSpPr>
+          <p:cNvPr id="5" name="Title 1">
+            <a:extLst>
+              <a:ext uri="{FF2B5EF4-FFF2-40B4-BE49-F238E27FC236}">
+                <a16:creationId xmlns:a16="http://schemas.microsoft.com/office/drawing/2014/main" id="{3A775B01-6584-4385-3F35-3C063AB58F3E}"/>
+              </a:ext>
+            </a:extLst>
+          </p:cNvPr>
+          <p:cNvSpPr txBox="1">
+            <a:spLocks/>
+          </p:cNvSpPr>
+          <p:nvPr/>
+        </p:nvSpPr>
+        <p:spPr>
+          <a:xfrm>
+            <a:off x="1857933" y="2368609"/>
+            <a:ext cx="9144000" cy="2367217"/>
+          </a:xfrm>
+          <a:prstGeom prst="rect">
+            <a:avLst/>
+          </a:prstGeom>
+        </p:spPr>
+        <p:txBody>
+          <a:bodyPr vert="horz" lIns="91440" tIns="45720" rIns="91440" bIns="45720" rtlCol="0" anchor="ctr">
+            <a:normAutofit/>
+          </a:bodyPr>
+          <a:lstStyle>
+            <a:lvl1pPr algn="l" defTabSz="914400" rtl="0" eaLnBrk="1" latinLnBrk="0" hangingPunct="1">
+              <a:lnSpc>
+                <a:spcPct val="90000"/>
+              </a:lnSpc>
+              <a:spcBef>
+                <a:spcPct val="0"/>
+              </a:spcBef>
+              <a:buNone/>
+              <a:defRPr sz="4400" kern="1200">
+                <a:solidFill>
+                  <a:schemeClr val="tx1"/>
+                </a:solidFill>
+                <a:latin typeface="+mj-lt"/>
+                <a:ea typeface="+mj-ea"/>
+                <a:cs typeface="+mj-cs"/>
+              </a:defRPr>
+            </a:lvl1pPr>
+          </a:lstStyle>
+          <a:p>
+            <a:r>
+              <a:rPr lang="en-US" dirty="0"/>
+              <a:t>How would you design a pipeline to deal with context windows &gt;512...</a:t>
+            </a:r>
+          </a:p>
+        </p:txBody>
+      </p:sp>
+      <p:sp>
+        <p:nvSpPr>
+          <p:cNvPr id="2" name="TextBox 1">
+            <a:extLst>
+              <a:ext uri="{FF2B5EF4-FFF2-40B4-BE49-F238E27FC236}">
+                <a16:creationId xmlns:a16="http://schemas.microsoft.com/office/drawing/2014/main" id="{9A6874B7-A516-F8EF-0A4E-EA43782A3B14}"/>
+              </a:ext>
+            </a:extLst>
+          </p:cNvPr>
+          <p:cNvSpPr txBox="1"/>
+          <p:nvPr/>
+        </p:nvSpPr>
+        <p:spPr>
+          <a:xfrm>
+            <a:off x="1733143" y="599266"/>
+            <a:ext cx="6097847" cy="769441"/>
+          </a:xfrm>
+          <a:prstGeom prst="rect">
+            <a:avLst/>
+          </a:prstGeom>
+          <a:noFill/>
+        </p:spPr>
+        <p:txBody>
+          <a:bodyPr rot="0" spcFirstLastPara="0" vertOverflow="overflow" horzOverflow="overflow" vert="horz" wrap="square" lIns="91440" tIns="45720" rIns="91440" bIns="45720" numCol="1" spcCol="0" rtlCol="0" fromWordArt="0" anchor="t" anchorCtr="0" forceAA="0" compatLnSpc="1">
+            <a:prstTxWarp prst="textNoShape">
+              <a:avLst/>
+            </a:prstTxWarp>
+            <a:spAutoFit/>
+          </a:bodyPr>
+          <a:lstStyle/>
+          <a:p>
+            <a:r>
+              <a:rPr lang="en-US" sz="4400" dirty="0">
+                <a:latin typeface="Aptos Display"/>
+              </a:rPr>
+              <a:t>Practical issues</a:t>
+            </a:r>
+            <a:endParaRPr lang="en-US" dirty="0"/>
+          </a:p>
+        </p:txBody>
+      </p:sp>
+    </p:spTree>
+    <p:extLst>
+      <p:ext uri="{BB962C8B-B14F-4D97-AF65-F5344CB8AC3E}">
+        <p14:creationId xmlns:p14="http://schemas.microsoft.com/office/powerpoint/2010/main" val="978709266"/>
+      </p:ext>
+    </p:extLst>
+  </p:cSld>
+  <p:clrMapOvr>
+    <a:masterClrMapping/>
+  </p:clrMapOvr>
+</p:sld>
+</file>
+
+<file path=ppt/slides/slide35.xml><?xml version="1.0" encoding="utf-8"?>
+<p:sld xmlns:a="http://schemas.openxmlformats.org/drawingml/2006/main" xmlns:r="http://schemas.openxmlformats.org/officeDocument/2006/relationships" xmlns:p="http://schemas.openxmlformats.org/presentationml/2006/main">
+  <p:cSld>
+    <p:spTree>
+      <p:nvGrpSpPr>
+        <p:cNvPr id="1" name="">
+          <a:extLst>
+            <a:ext uri="{FF2B5EF4-FFF2-40B4-BE49-F238E27FC236}">
+              <a16:creationId xmlns:a16="http://schemas.microsoft.com/office/drawing/2014/main" id="{CBA333A9-49C7-C595-49AF-5DBC937A9449}"/>
+            </a:ext>
+          </a:extLst>
+        </p:cNvPr>
+        <p:cNvGrpSpPr/>
+        <p:nvPr/>
+      </p:nvGrpSpPr>
+      <p:grpSpPr>
+        <a:xfrm>
+          <a:off x="0" y="0"/>
+          <a:ext cx="0" cy="0"/>
+          <a:chOff x="0" y="0"/>
+          <a:chExt cx="0" cy="0"/>
+        </a:xfrm>
+      </p:grpSpPr>
+      <p:sp>
+        <p:nvSpPr>
+          <p:cNvPr id="5" name="Title 1">
+            <a:extLst>
+              <a:ext uri="{FF2B5EF4-FFF2-40B4-BE49-F238E27FC236}">
+                <a16:creationId xmlns:a16="http://schemas.microsoft.com/office/drawing/2014/main" id="{A25AE8D1-B5C5-E126-BFD0-C9890A021BCF}"/>
+              </a:ext>
+            </a:extLst>
+          </p:cNvPr>
+          <p:cNvSpPr txBox="1">
+            <a:spLocks/>
+          </p:cNvSpPr>
+          <p:nvPr/>
+        </p:nvSpPr>
+        <p:spPr>
+          <a:xfrm>
+            <a:off x="2510852" y="2121707"/>
+            <a:ext cx="9144000" cy="2387600"/>
+          </a:xfrm>
+          <a:prstGeom prst="rect">
+            <a:avLst/>
+          </a:prstGeom>
+        </p:spPr>
+        <p:txBody>
+          <a:bodyPr vert="horz" lIns="91440" tIns="45720" rIns="91440" bIns="45720" rtlCol="0" anchor="ctr">
+            <a:normAutofit/>
+          </a:bodyPr>
+          <a:lstStyle>
+            <a:lvl1pPr algn="l" defTabSz="914400" rtl="0" eaLnBrk="1" latinLnBrk="0" hangingPunct="1">
+              <a:lnSpc>
+                <a:spcPct val="90000"/>
+              </a:lnSpc>
+              <a:spcBef>
+                <a:spcPct val="0"/>
+              </a:spcBef>
+              <a:buNone/>
+              <a:defRPr sz="4400" kern="1200">
+                <a:solidFill>
+                  <a:schemeClr val="tx1"/>
+                </a:solidFill>
+                <a:latin typeface="+mj-lt"/>
+                <a:ea typeface="+mj-ea"/>
+                <a:cs typeface="+mj-cs"/>
+              </a:defRPr>
+            </a:lvl1pPr>
+          </a:lstStyle>
+          <a:p>
+            <a:r>
+              <a:rPr lang="en-US" dirty="0"/>
+              <a:t>Weeks 8-16 on their way :)</a:t>
+            </a:r>
+          </a:p>
+        </p:txBody>
+      </p:sp>
+    </p:spTree>
+    <p:extLst>
+      <p:ext uri="{BB962C8B-B14F-4D97-AF65-F5344CB8AC3E}">
+        <p14:creationId xmlns:p14="http://schemas.microsoft.com/office/powerpoint/2010/main" val="3254131108"/>
       </p:ext>
     </p:extLst>
   </p:cSld>
